--- a/ppt-sharks/Sharknado attack.pptx
+++ b/ppt-sharks/Sharknado attack.pptx
@@ -12,8 +12,10 @@
     <p:sldId id="260" r:id="rId6"/>
     <p:sldId id="259" r:id="rId7"/>
     <p:sldId id="261" r:id="rId8"/>
-    <p:sldId id="262" r:id="rId9"/>
-    <p:sldId id="264" r:id="rId10"/>
+    <p:sldId id="265" r:id="rId9"/>
+    <p:sldId id="266" r:id="rId10"/>
+    <p:sldId id="262" r:id="rId11"/>
+    <p:sldId id="264" r:id="rId12"/>
   </p:sldIdLst>
   <p:sldSz cx="12192000" cy="6858000"/>
   <p:notesSz cx="6858000" cy="9144000"/>
@@ -112,6 +114,11 @@
       </a:defRPr>
     </a:lvl9pPr>
   </p:defaultTextStyle>
+  <p:extLst>
+    <p:ext uri="{EFAFB233-063F-42B5-8137-9DF3F51BA10A}">
+      <p15:sldGuideLst xmlns:p15="http://schemas.microsoft.com/office/powerpoint/2012/main"/>
+    </p:ext>
+  </p:extLst>
 </p:presentation>
 </file>
 
@@ -9840,6 +9847,1415 @@
 </p:sld>
 </file>
 
+<file path=ppt/slides/slide10.xml><?xml version="1.0" encoding="utf-8"?>
+<p:sld xmlns:a="http://schemas.openxmlformats.org/drawingml/2006/main" xmlns:r="http://schemas.openxmlformats.org/officeDocument/2006/relationships" xmlns:p="http://schemas.openxmlformats.org/presentationml/2006/main">
+  <p:cSld>
+    <p:spTree>
+      <p:nvGrpSpPr>
+        <p:cNvPr id="1" name=""/>
+        <p:cNvGrpSpPr/>
+        <p:nvPr/>
+      </p:nvGrpSpPr>
+      <p:grpSpPr>
+        <a:xfrm>
+          <a:off x="0" y="0"/>
+          <a:ext cx="0" cy="0"/>
+          <a:chOff x="0" y="0"/>
+          <a:chExt cx="0" cy="0"/>
+        </a:xfrm>
+      </p:grpSpPr>
+      <p:sp>
+        <p:nvSpPr>
+          <p:cNvPr id="2" name="Título 1">
+            <a:extLst>
+              <a:ext uri="{FF2B5EF4-FFF2-40B4-BE49-F238E27FC236}">
+                <a16:creationId xmlns:a16="http://schemas.microsoft.com/office/drawing/2014/main" id="{0A129469-E809-0312-C2D2-045F26C812ED}"/>
+              </a:ext>
+            </a:extLst>
+          </p:cNvPr>
+          <p:cNvSpPr>
+            <a:spLocks noGrp="1"/>
+          </p:cNvSpPr>
+          <p:nvPr>
+            <p:ph type="title"/>
+          </p:nvPr>
+        </p:nvSpPr>
+        <p:spPr/>
+        <p:txBody>
+          <a:bodyPr/>
+          <a:lstStyle/>
+          <a:p>
+            <a:r>
+              <a:rPr lang="es-ES" dirty="0"/>
+              <a:t>¿Son los tiburones sexistas?</a:t>
+            </a:r>
+          </a:p>
+        </p:txBody>
+      </p:sp>
+      <p:sp>
+        <p:nvSpPr>
+          <p:cNvPr id="6" name="Marcador de contenido 5">
+            <a:extLst>
+              <a:ext uri="{FF2B5EF4-FFF2-40B4-BE49-F238E27FC236}">
+                <a16:creationId xmlns:a16="http://schemas.microsoft.com/office/drawing/2014/main" id="{2107BFDB-8693-0BDC-04B5-09845F7B7470}"/>
+              </a:ext>
+            </a:extLst>
+          </p:cNvPr>
+          <p:cNvSpPr>
+            <a:spLocks noGrp="1"/>
+          </p:cNvSpPr>
+          <p:nvPr>
+            <p:ph sz="quarter" idx="4"/>
+          </p:nvPr>
+        </p:nvSpPr>
+        <p:spPr>
+          <a:xfrm>
+            <a:off x="6639342" y="2289313"/>
+            <a:ext cx="4396339" cy="3741738"/>
+          </a:xfrm>
+        </p:spPr>
+        <p:txBody>
+          <a:bodyPr/>
+          <a:lstStyle/>
+          <a:p>
+            <a:r>
+              <a:rPr lang="es-ES" dirty="0"/>
+              <a:t>Parece ser que si! Prefieren los hombres! </a:t>
+            </a:r>
+          </a:p>
+          <a:p>
+            <a:r>
+              <a:rPr lang="es-ES" dirty="0"/>
+              <a:t>Aunque cabe considerar que hay estudios que demuestran que los hombres son mas asiduos al riesgo y a hacer el tonto. Por lo que viven menos. Y eso los tiburones lo saben también!</a:t>
+            </a:r>
+          </a:p>
+          <a:p>
+            <a:endParaRPr lang="es-ES" dirty="0"/>
+          </a:p>
+        </p:txBody>
+      </p:sp>
+      <p:graphicFrame>
+        <p:nvGraphicFramePr>
+          <p:cNvPr id="5" name="Tabla 4">
+            <a:extLst>
+              <a:ext uri="{FF2B5EF4-FFF2-40B4-BE49-F238E27FC236}">
+                <a16:creationId xmlns:a16="http://schemas.microsoft.com/office/drawing/2014/main" id="{15AECC9E-6AE6-001A-8E2B-47B6F5CF2BC0}"/>
+              </a:ext>
+            </a:extLst>
+          </p:cNvPr>
+          <p:cNvGraphicFramePr>
+            <a:graphicFrameLocks noGrp="1"/>
+          </p:cNvGraphicFramePr>
+          <p:nvPr>
+            <p:extLst>
+              <p:ext uri="{D42A27DB-BD31-4B8C-83A1-F6EECF244321}">
+                <p14:modId xmlns:p14="http://schemas.microsoft.com/office/powerpoint/2010/main" val="2804345992"/>
+              </p:ext>
+            </p:extLst>
+          </p:nvPr>
+        </p:nvGraphicFramePr>
+        <p:xfrm>
+          <a:off x="1454357" y="1719489"/>
+          <a:ext cx="4396338" cy="4535538"/>
+        </p:xfrm>
+        <a:graphic>
+          <a:graphicData uri="http://schemas.openxmlformats.org/drawingml/2006/table">
+            <a:tbl>
+              <a:tblPr>
+                <a:tableStyleId>{5C22544A-7EE6-4342-B048-85BDC9FD1C3A}</a:tableStyleId>
+              </a:tblPr>
+              <a:tblGrid>
+                <a:gridCol w="1859516">
+                  <a:extLst>
+                    <a:ext uri="{9D8B030D-6E8A-4147-A177-3AD203B41FA5}">
+                      <a16:colId xmlns:a16="http://schemas.microsoft.com/office/drawing/2014/main" val="3986154542"/>
+                    </a:ext>
+                  </a:extLst>
+                </a:gridCol>
+                <a:gridCol w="1268411">
+                  <a:extLst>
+                    <a:ext uri="{9D8B030D-6E8A-4147-A177-3AD203B41FA5}">
+                      <a16:colId xmlns:a16="http://schemas.microsoft.com/office/drawing/2014/main" val="180211024"/>
+                    </a:ext>
+                  </a:extLst>
+                </a:gridCol>
+                <a:gridCol w="1268411">
+                  <a:extLst>
+                    <a:ext uri="{9D8B030D-6E8A-4147-A177-3AD203B41FA5}">
+                      <a16:colId xmlns:a16="http://schemas.microsoft.com/office/drawing/2014/main" val="2777964787"/>
+                    </a:ext>
+                  </a:extLst>
+                </a:gridCol>
+              </a:tblGrid>
+              <a:tr h="277015">
+                <a:tc>
+                  <a:txBody>
+                    <a:bodyPr/>
+                    <a:lstStyle/>
+                    <a:p>
+                      <a:pPr algn="ctr" fontAlgn="b"/>
+                      <a:r>
+                        <a:rPr lang="es-ES" sz="1100" b="1" u="none" strike="noStrike" dirty="0">
+                          <a:effectLst/>
+                        </a:rPr>
+                        <a:t>Etiquetas de fila</a:t>
+                      </a:r>
+                      <a:endParaRPr lang="es-ES" sz="1100" b="1" i="0" u="none" strike="noStrike" dirty="0">
+                        <a:solidFill>
+                          <a:srgbClr val="000000"/>
+                        </a:solidFill>
+                        <a:effectLst/>
+                        <a:latin typeface="Calibri" panose="020F0502020204030204" pitchFamily="34" charset="0"/>
+                      </a:endParaRPr>
+                    </a:p>
+                  </a:txBody>
+                  <a:tcPr marL="9525" marR="9525" marT="9525" marB="0" anchor="b"/>
+                </a:tc>
+                <a:tc>
+                  <a:txBody>
+                    <a:bodyPr/>
+                    <a:lstStyle/>
+                    <a:p>
+                      <a:pPr algn="r" fontAlgn="b"/>
+                      <a:r>
+                        <a:rPr lang="es-ES" sz="1100" b="1" u="none" strike="noStrike" dirty="0">
+                          <a:effectLst/>
+                        </a:rPr>
+                        <a:t>F</a:t>
+                      </a:r>
+                      <a:endParaRPr lang="es-ES" sz="1100" b="1" i="0" u="none" strike="noStrike" dirty="0">
+                        <a:solidFill>
+                          <a:srgbClr val="000000"/>
+                        </a:solidFill>
+                        <a:effectLst/>
+                        <a:latin typeface="Calibri" panose="020F0502020204030204" pitchFamily="34" charset="0"/>
+                      </a:endParaRPr>
+                    </a:p>
+                  </a:txBody>
+                  <a:tcPr marL="9525" marR="9525" marT="9525" marB="0" anchor="b"/>
+                </a:tc>
+                <a:tc>
+                  <a:txBody>
+                    <a:bodyPr/>
+                    <a:lstStyle/>
+                    <a:p>
+                      <a:pPr algn="r" fontAlgn="b"/>
+                      <a:r>
+                        <a:rPr lang="es-ES" sz="1100" b="1" u="none" strike="noStrike" dirty="0">
+                          <a:effectLst/>
+                        </a:rPr>
+                        <a:t>M</a:t>
+                      </a:r>
+                      <a:endParaRPr lang="es-ES" sz="1100" b="1" i="0" u="none" strike="noStrike" dirty="0">
+                        <a:solidFill>
+                          <a:srgbClr val="000000"/>
+                        </a:solidFill>
+                        <a:effectLst/>
+                        <a:latin typeface="Calibri" panose="020F0502020204030204" pitchFamily="34" charset="0"/>
+                      </a:endParaRPr>
+                    </a:p>
+                  </a:txBody>
+                  <a:tcPr marL="9525" marR="9525" marT="9525" marB="0" anchor="b"/>
+                </a:tc>
+                <a:extLst>
+                  <a:ext uri="{0D108BD9-81ED-4DB2-BD59-A6C34878D82A}">
+                    <a16:rowId xmlns:a16="http://schemas.microsoft.com/office/drawing/2014/main" val="419555035"/>
+                  </a:ext>
+                </a:extLst>
+              </a:tr>
+              <a:tr h="277015">
+                <a:tc>
+                  <a:txBody>
+                    <a:bodyPr/>
+                    <a:lstStyle/>
+                    <a:p>
+                      <a:pPr algn="l" fontAlgn="b"/>
+                      <a:r>
+                        <a:rPr lang="es-ES" sz="1100" u="none" strike="noStrike">
+                          <a:effectLst/>
+                        </a:rPr>
+                        <a:t>Shark White</a:t>
+                      </a:r>
+                      <a:endParaRPr lang="es-ES" sz="1100" b="0" i="0" u="none" strike="noStrike">
+                        <a:solidFill>
+                          <a:srgbClr val="000000"/>
+                        </a:solidFill>
+                        <a:effectLst/>
+                        <a:latin typeface="Calibri" panose="020F0502020204030204" pitchFamily="34" charset="0"/>
+                      </a:endParaRPr>
+                    </a:p>
+                  </a:txBody>
+                  <a:tcPr marL="9525" marR="9525" marT="9525" marB="0" anchor="b"/>
+                </a:tc>
+                <a:tc>
+                  <a:txBody>
+                    <a:bodyPr/>
+                    <a:lstStyle/>
+                    <a:p>
+                      <a:pPr algn="r" fontAlgn="b"/>
+                      <a:r>
+                        <a:rPr lang="es-ES" sz="1100" u="none" strike="noStrike" dirty="0">
+                          <a:effectLst/>
+                        </a:rPr>
+                        <a:t>11</a:t>
+                      </a:r>
+                      <a:endParaRPr lang="es-ES" sz="1100" b="0" i="0" u="none" strike="noStrike" dirty="0">
+                        <a:solidFill>
+                          <a:srgbClr val="000000"/>
+                        </a:solidFill>
+                        <a:effectLst/>
+                        <a:latin typeface="Calibri" panose="020F0502020204030204" pitchFamily="34" charset="0"/>
+                      </a:endParaRPr>
+                    </a:p>
+                  </a:txBody>
+                  <a:tcPr marL="9525" marR="9525" marT="9525" marB="0" anchor="b"/>
+                </a:tc>
+                <a:tc>
+                  <a:txBody>
+                    <a:bodyPr/>
+                    <a:lstStyle/>
+                    <a:p>
+                      <a:pPr algn="r" fontAlgn="b"/>
+                      <a:r>
+                        <a:rPr lang="es-ES" sz="1100" u="none" strike="noStrike">
+                          <a:effectLst/>
+                        </a:rPr>
+                        <a:t>113</a:t>
+                      </a:r>
+                      <a:endParaRPr lang="es-ES" sz="1100" b="0" i="0" u="none" strike="noStrike">
+                        <a:solidFill>
+                          <a:srgbClr val="000000"/>
+                        </a:solidFill>
+                        <a:effectLst/>
+                        <a:latin typeface="Calibri" panose="020F0502020204030204" pitchFamily="34" charset="0"/>
+                      </a:endParaRPr>
+                    </a:p>
+                  </a:txBody>
+                  <a:tcPr marL="9525" marR="9525" marT="9525" marB="0" anchor="b"/>
+                </a:tc>
+                <a:extLst>
+                  <a:ext uri="{0D108BD9-81ED-4DB2-BD59-A6C34878D82A}">
+                    <a16:rowId xmlns:a16="http://schemas.microsoft.com/office/drawing/2014/main" val="345252314"/>
+                  </a:ext>
+                </a:extLst>
+              </a:tr>
+              <a:tr h="277015">
+                <a:tc>
+                  <a:txBody>
+                    <a:bodyPr/>
+                    <a:lstStyle/>
+                    <a:p>
+                      <a:pPr algn="l" fontAlgn="b"/>
+                      <a:r>
+                        <a:rPr lang="es-ES" sz="1100" u="none" strike="noStrike">
+                          <a:effectLst/>
+                        </a:rPr>
+                        <a:t>Shark Blacktip</a:t>
+                      </a:r>
+                      <a:endParaRPr lang="es-ES" sz="1100" b="0" i="0" u="none" strike="noStrike">
+                        <a:solidFill>
+                          <a:srgbClr val="000000"/>
+                        </a:solidFill>
+                        <a:effectLst/>
+                        <a:latin typeface="Calibri" panose="020F0502020204030204" pitchFamily="34" charset="0"/>
+                      </a:endParaRPr>
+                    </a:p>
+                  </a:txBody>
+                  <a:tcPr marL="9525" marR="9525" marT="9525" marB="0" anchor="b"/>
+                </a:tc>
+                <a:tc>
+                  <a:txBody>
+                    <a:bodyPr/>
+                    <a:lstStyle/>
+                    <a:p>
+                      <a:pPr algn="r" fontAlgn="b"/>
+                      <a:r>
+                        <a:rPr lang="es-ES" sz="1100" u="none" strike="noStrike" dirty="0">
+                          <a:effectLst/>
+                        </a:rPr>
+                        <a:t>4</a:t>
+                      </a:r>
+                      <a:endParaRPr lang="es-ES" sz="1100" b="0" i="0" u="none" strike="noStrike" dirty="0">
+                        <a:solidFill>
+                          <a:srgbClr val="000000"/>
+                        </a:solidFill>
+                        <a:effectLst/>
+                        <a:latin typeface="Calibri" panose="020F0502020204030204" pitchFamily="34" charset="0"/>
+                      </a:endParaRPr>
+                    </a:p>
+                  </a:txBody>
+                  <a:tcPr marL="9525" marR="9525" marT="9525" marB="0" anchor="b"/>
+                </a:tc>
+                <a:tc>
+                  <a:txBody>
+                    <a:bodyPr/>
+                    <a:lstStyle/>
+                    <a:p>
+                      <a:pPr algn="r" fontAlgn="b"/>
+                      <a:r>
+                        <a:rPr lang="es-ES" sz="1100" u="none" strike="noStrike">
+                          <a:effectLst/>
+                        </a:rPr>
+                        <a:t>27</a:t>
+                      </a:r>
+                      <a:endParaRPr lang="es-ES" sz="1100" b="0" i="0" u="none" strike="noStrike">
+                        <a:solidFill>
+                          <a:srgbClr val="000000"/>
+                        </a:solidFill>
+                        <a:effectLst/>
+                        <a:latin typeface="Calibri" panose="020F0502020204030204" pitchFamily="34" charset="0"/>
+                      </a:endParaRPr>
+                    </a:p>
+                  </a:txBody>
+                  <a:tcPr marL="9525" marR="9525" marT="9525" marB="0" anchor="b"/>
+                </a:tc>
+                <a:extLst>
+                  <a:ext uri="{0D108BD9-81ED-4DB2-BD59-A6C34878D82A}">
+                    <a16:rowId xmlns:a16="http://schemas.microsoft.com/office/drawing/2014/main" val="1190571458"/>
+                  </a:ext>
+                </a:extLst>
+              </a:tr>
+              <a:tr h="277015">
+                <a:tc>
+                  <a:txBody>
+                    <a:bodyPr/>
+                    <a:lstStyle/>
+                    <a:p>
+                      <a:pPr algn="l" fontAlgn="b"/>
+                      <a:r>
+                        <a:rPr lang="es-ES" sz="1100" u="none" strike="noStrike" dirty="0" err="1">
+                          <a:effectLst/>
+                        </a:rPr>
+                        <a:t>Shark</a:t>
+                      </a:r>
+                      <a:r>
+                        <a:rPr lang="es-ES" sz="1100" u="none" strike="noStrike" dirty="0">
+                          <a:effectLst/>
+                        </a:rPr>
+                        <a:t> Small</a:t>
+                      </a:r>
+                      <a:endParaRPr lang="es-ES" sz="1100" b="0" i="0" u="none" strike="noStrike" dirty="0">
+                        <a:solidFill>
+                          <a:srgbClr val="000000"/>
+                        </a:solidFill>
+                        <a:effectLst/>
+                        <a:latin typeface="Calibri" panose="020F0502020204030204" pitchFamily="34" charset="0"/>
+                      </a:endParaRPr>
+                    </a:p>
+                  </a:txBody>
+                  <a:tcPr marL="9525" marR="9525" marT="9525" marB="0" anchor="b"/>
+                </a:tc>
+                <a:tc>
+                  <a:txBody>
+                    <a:bodyPr/>
+                    <a:lstStyle/>
+                    <a:p>
+                      <a:pPr algn="r" fontAlgn="b"/>
+                      <a:r>
+                        <a:rPr lang="es-ES" sz="1100" u="none" strike="noStrike" dirty="0">
+                          <a:effectLst/>
+                        </a:rPr>
+                        <a:t>13</a:t>
+                      </a:r>
+                      <a:endParaRPr lang="es-ES" sz="1100" b="0" i="0" u="none" strike="noStrike" dirty="0">
+                        <a:solidFill>
+                          <a:srgbClr val="000000"/>
+                        </a:solidFill>
+                        <a:effectLst/>
+                        <a:latin typeface="Calibri" panose="020F0502020204030204" pitchFamily="34" charset="0"/>
+                      </a:endParaRPr>
+                    </a:p>
+                  </a:txBody>
+                  <a:tcPr marL="9525" marR="9525" marT="9525" marB="0" anchor="b"/>
+                </a:tc>
+                <a:tc>
+                  <a:txBody>
+                    <a:bodyPr/>
+                    <a:lstStyle/>
+                    <a:p>
+                      <a:pPr algn="r" fontAlgn="b"/>
+                      <a:r>
+                        <a:rPr lang="es-ES" sz="1100" u="none" strike="noStrike">
+                          <a:effectLst/>
+                        </a:rPr>
+                        <a:t>27</a:t>
+                      </a:r>
+                      <a:endParaRPr lang="es-ES" sz="1100" b="0" i="0" u="none" strike="noStrike">
+                        <a:solidFill>
+                          <a:srgbClr val="000000"/>
+                        </a:solidFill>
+                        <a:effectLst/>
+                        <a:latin typeface="Calibri" panose="020F0502020204030204" pitchFamily="34" charset="0"/>
+                      </a:endParaRPr>
+                    </a:p>
+                  </a:txBody>
+                  <a:tcPr marL="9525" marR="9525" marT="9525" marB="0" anchor="b"/>
+                </a:tc>
+                <a:extLst>
+                  <a:ext uri="{0D108BD9-81ED-4DB2-BD59-A6C34878D82A}">
+                    <a16:rowId xmlns:a16="http://schemas.microsoft.com/office/drawing/2014/main" val="1833573568"/>
+                  </a:ext>
+                </a:extLst>
+              </a:tr>
+              <a:tr h="277015">
+                <a:tc>
+                  <a:txBody>
+                    <a:bodyPr/>
+                    <a:lstStyle/>
+                    <a:p>
+                      <a:pPr algn="l" fontAlgn="b"/>
+                      <a:r>
+                        <a:rPr lang="es-ES" sz="1100" u="none" strike="noStrike">
+                          <a:effectLst/>
+                        </a:rPr>
+                        <a:t>Shark Nurse</a:t>
+                      </a:r>
+                      <a:endParaRPr lang="es-ES" sz="1100" b="0" i="0" u="none" strike="noStrike">
+                        <a:solidFill>
+                          <a:srgbClr val="000000"/>
+                        </a:solidFill>
+                        <a:effectLst/>
+                        <a:latin typeface="Calibri" panose="020F0502020204030204" pitchFamily="34" charset="0"/>
+                      </a:endParaRPr>
+                    </a:p>
+                  </a:txBody>
+                  <a:tcPr marL="9525" marR="9525" marT="9525" marB="0" anchor="b"/>
+                </a:tc>
+                <a:tc>
+                  <a:txBody>
+                    <a:bodyPr/>
+                    <a:lstStyle/>
+                    <a:p>
+                      <a:pPr algn="r" fontAlgn="b"/>
+                      <a:r>
+                        <a:rPr lang="es-ES" sz="1100" u="none" strike="noStrike">
+                          <a:effectLst/>
+                        </a:rPr>
+                        <a:t>1</a:t>
+                      </a:r>
+                      <a:endParaRPr lang="es-ES" sz="1100" b="0" i="0" u="none" strike="noStrike">
+                        <a:solidFill>
+                          <a:srgbClr val="000000"/>
+                        </a:solidFill>
+                        <a:effectLst/>
+                        <a:latin typeface="Calibri" panose="020F0502020204030204" pitchFamily="34" charset="0"/>
+                      </a:endParaRPr>
+                    </a:p>
+                  </a:txBody>
+                  <a:tcPr marL="9525" marR="9525" marT="9525" marB="0" anchor="b"/>
+                </a:tc>
+                <a:tc>
+                  <a:txBody>
+                    <a:bodyPr/>
+                    <a:lstStyle/>
+                    <a:p>
+                      <a:pPr algn="r" fontAlgn="b"/>
+                      <a:r>
+                        <a:rPr lang="es-ES" sz="1100" u="none" strike="noStrike" dirty="0">
+                          <a:effectLst/>
+                        </a:rPr>
+                        <a:t>24</a:t>
+                      </a:r>
+                      <a:endParaRPr lang="es-ES" sz="1100" b="0" i="0" u="none" strike="noStrike" dirty="0">
+                        <a:solidFill>
+                          <a:srgbClr val="000000"/>
+                        </a:solidFill>
+                        <a:effectLst/>
+                        <a:latin typeface="Calibri" panose="020F0502020204030204" pitchFamily="34" charset="0"/>
+                      </a:endParaRPr>
+                    </a:p>
+                  </a:txBody>
+                  <a:tcPr marL="9525" marR="9525" marT="9525" marB="0" anchor="b"/>
+                </a:tc>
+                <a:extLst>
+                  <a:ext uri="{0D108BD9-81ED-4DB2-BD59-A6C34878D82A}">
+                    <a16:rowId xmlns:a16="http://schemas.microsoft.com/office/drawing/2014/main" val="103013273"/>
+                  </a:ext>
+                </a:extLst>
+              </a:tr>
+              <a:tr h="277015">
+                <a:tc>
+                  <a:txBody>
+                    <a:bodyPr/>
+                    <a:lstStyle/>
+                    <a:p>
+                      <a:pPr algn="l" fontAlgn="b"/>
+                      <a:r>
+                        <a:rPr lang="es-ES" sz="1100" u="none" strike="noStrike" dirty="0" err="1">
+                          <a:effectLst/>
+                        </a:rPr>
+                        <a:t>Shark</a:t>
+                      </a:r>
+                      <a:r>
+                        <a:rPr lang="es-ES" sz="1100" u="none" strike="noStrike" dirty="0">
+                          <a:effectLst/>
+                        </a:rPr>
+                        <a:t> </a:t>
+                      </a:r>
+                      <a:r>
+                        <a:rPr lang="es-ES" sz="1100" u="none" strike="noStrike" dirty="0" err="1">
+                          <a:effectLst/>
+                        </a:rPr>
+                        <a:t>Reef</a:t>
+                      </a:r>
+                      <a:endParaRPr lang="es-ES" sz="1100" b="0" i="0" u="none" strike="noStrike" dirty="0">
+                        <a:solidFill>
+                          <a:srgbClr val="000000"/>
+                        </a:solidFill>
+                        <a:effectLst/>
+                        <a:latin typeface="Calibri" panose="020F0502020204030204" pitchFamily="34" charset="0"/>
+                      </a:endParaRPr>
+                    </a:p>
+                  </a:txBody>
+                  <a:tcPr marL="9525" marR="9525" marT="9525" marB="0" anchor="b"/>
+                </a:tc>
+                <a:tc>
+                  <a:txBody>
+                    <a:bodyPr/>
+                    <a:lstStyle/>
+                    <a:p>
+                      <a:pPr algn="r" fontAlgn="b"/>
+                      <a:r>
+                        <a:rPr lang="es-ES" sz="1100" u="none" strike="noStrike">
+                          <a:effectLst/>
+                        </a:rPr>
+                        <a:t>2</a:t>
+                      </a:r>
+                      <a:endParaRPr lang="es-ES" sz="1100" b="0" i="0" u="none" strike="noStrike">
+                        <a:solidFill>
+                          <a:srgbClr val="000000"/>
+                        </a:solidFill>
+                        <a:effectLst/>
+                        <a:latin typeface="Calibri" panose="020F0502020204030204" pitchFamily="34" charset="0"/>
+                      </a:endParaRPr>
+                    </a:p>
+                  </a:txBody>
+                  <a:tcPr marL="9525" marR="9525" marT="9525" marB="0" anchor="b"/>
+                </a:tc>
+                <a:tc>
+                  <a:txBody>
+                    <a:bodyPr/>
+                    <a:lstStyle/>
+                    <a:p>
+                      <a:pPr algn="r" fontAlgn="b"/>
+                      <a:r>
+                        <a:rPr lang="es-ES" sz="1100" u="none" strike="noStrike" dirty="0">
+                          <a:effectLst/>
+                        </a:rPr>
+                        <a:t>18</a:t>
+                      </a:r>
+                      <a:endParaRPr lang="es-ES" sz="1100" b="0" i="0" u="none" strike="noStrike" dirty="0">
+                        <a:solidFill>
+                          <a:srgbClr val="000000"/>
+                        </a:solidFill>
+                        <a:effectLst/>
+                        <a:latin typeface="Calibri" panose="020F0502020204030204" pitchFamily="34" charset="0"/>
+                      </a:endParaRPr>
+                    </a:p>
+                  </a:txBody>
+                  <a:tcPr marL="9525" marR="9525" marT="9525" marB="0" anchor="b"/>
+                </a:tc>
+                <a:extLst>
+                  <a:ext uri="{0D108BD9-81ED-4DB2-BD59-A6C34878D82A}">
+                    <a16:rowId xmlns:a16="http://schemas.microsoft.com/office/drawing/2014/main" val="4267037459"/>
+                  </a:ext>
+                </a:extLst>
+              </a:tr>
+              <a:tr h="277015">
+                <a:tc>
+                  <a:txBody>
+                    <a:bodyPr/>
+                    <a:lstStyle/>
+                    <a:p>
+                      <a:pPr algn="l" fontAlgn="b"/>
+                      <a:r>
+                        <a:rPr lang="es-ES" sz="1100" u="none" strike="noStrike">
+                          <a:effectLst/>
+                        </a:rPr>
+                        <a:t>Shark Bull</a:t>
+                      </a:r>
+                      <a:endParaRPr lang="es-ES" sz="1100" b="0" i="0" u="none" strike="noStrike">
+                        <a:solidFill>
+                          <a:srgbClr val="000000"/>
+                        </a:solidFill>
+                        <a:effectLst/>
+                        <a:latin typeface="Calibri" panose="020F0502020204030204" pitchFamily="34" charset="0"/>
+                      </a:endParaRPr>
+                    </a:p>
+                  </a:txBody>
+                  <a:tcPr marL="9525" marR="9525" marT="9525" marB="0" anchor="b"/>
+                </a:tc>
+                <a:tc>
+                  <a:txBody>
+                    <a:bodyPr/>
+                    <a:lstStyle/>
+                    <a:p>
+                      <a:pPr algn="r" fontAlgn="b"/>
+                      <a:r>
+                        <a:rPr lang="es-ES" sz="1100" u="none" strike="noStrike">
+                          <a:effectLst/>
+                        </a:rPr>
+                        <a:t>7</a:t>
+                      </a:r>
+                      <a:endParaRPr lang="es-ES" sz="1100" b="0" i="0" u="none" strike="noStrike">
+                        <a:solidFill>
+                          <a:srgbClr val="000000"/>
+                        </a:solidFill>
+                        <a:effectLst/>
+                        <a:latin typeface="Calibri" panose="020F0502020204030204" pitchFamily="34" charset="0"/>
+                      </a:endParaRPr>
+                    </a:p>
+                  </a:txBody>
+                  <a:tcPr marL="9525" marR="9525" marT="9525" marB="0" anchor="b"/>
+                </a:tc>
+                <a:tc>
+                  <a:txBody>
+                    <a:bodyPr/>
+                    <a:lstStyle/>
+                    <a:p>
+                      <a:pPr algn="r" fontAlgn="b"/>
+                      <a:r>
+                        <a:rPr lang="es-ES" sz="1100" u="none" strike="noStrike" dirty="0">
+                          <a:effectLst/>
+                        </a:rPr>
+                        <a:t>17</a:t>
+                      </a:r>
+                      <a:endParaRPr lang="es-ES" sz="1100" b="0" i="0" u="none" strike="noStrike" dirty="0">
+                        <a:solidFill>
+                          <a:srgbClr val="000000"/>
+                        </a:solidFill>
+                        <a:effectLst/>
+                        <a:latin typeface="Calibri" panose="020F0502020204030204" pitchFamily="34" charset="0"/>
+                      </a:endParaRPr>
+                    </a:p>
+                  </a:txBody>
+                  <a:tcPr marL="9525" marR="9525" marT="9525" marB="0" anchor="b"/>
+                </a:tc>
+                <a:extLst>
+                  <a:ext uri="{0D108BD9-81ED-4DB2-BD59-A6C34878D82A}">
+                    <a16:rowId xmlns:a16="http://schemas.microsoft.com/office/drawing/2014/main" val="3913448646"/>
+                  </a:ext>
+                </a:extLst>
+              </a:tr>
+              <a:tr h="539134">
+                <a:tc>
+                  <a:txBody>
+                    <a:bodyPr/>
+                    <a:lstStyle/>
+                    <a:p>
+                      <a:pPr algn="l" fontAlgn="b"/>
+                      <a:r>
+                        <a:rPr lang="es-ES" sz="1100" u="none" strike="noStrike">
+                          <a:effectLst/>
+                        </a:rPr>
+                        <a:t>Shark Spinner</a:t>
+                      </a:r>
+                      <a:endParaRPr lang="es-ES" sz="1100" b="0" i="0" u="none" strike="noStrike">
+                        <a:solidFill>
+                          <a:srgbClr val="000000"/>
+                        </a:solidFill>
+                        <a:effectLst/>
+                        <a:latin typeface="Calibri" panose="020F0502020204030204" pitchFamily="34" charset="0"/>
+                      </a:endParaRPr>
+                    </a:p>
+                  </a:txBody>
+                  <a:tcPr marL="9525" marR="9525" marT="9525" marB="0" anchor="b"/>
+                </a:tc>
+                <a:tc>
+                  <a:txBody>
+                    <a:bodyPr/>
+                    <a:lstStyle/>
+                    <a:p>
+                      <a:pPr marL="0" marR="0" lvl="0" indent="0" algn="r" defTabSz="457200" rtl="0" eaLnBrk="1" fontAlgn="b" latinLnBrk="0" hangingPunct="1">
+                        <a:lnSpc>
+                          <a:spcPct val="100000"/>
+                        </a:lnSpc>
+                        <a:spcBef>
+                          <a:spcPts val="0"/>
+                        </a:spcBef>
+                        <a:spcAft>
+                          <a:spcPts val="0"/>
+                        </a:spcAft>
+                        <a:buClrTx/>
+                        <a:buSzTx/>
+                        <a:buFontTx/>
+                        <a:buNone/>
+                        <a:tabLst/>
+                        <a:defRPr/>
+                      </a:pPr>
+                      <a:r>
+                        <a:rPr lang="es-ES" sz="1100" b="0" i="0" u="none" strike="noStrike" dirty="0">
+                          <a:solidFill>
+                            <a:srgbClr val="000000"/>
+                          </a:solidFill>
+                          <a:effectLst/>
+                          <a:latin typeface="Calibri" panose="020F0502020204030204" pitchFamily="34" charset="0"/>
+                        </a:rPr>
+                        <a:t>n/a</a:t>
+                      </a:r>
+                    </a:p>
+                    <a:p>
+                      <a:pPr algn="r" fontAlgn="b"/>
+                      <a:endParaRPr lang="es-ES" sz="1100" b="0" i="0" u="none" strike="noStrike" dirty="0">
+                        <a:solidFill>
+                          <a:srgbClr val="000000"/>
+                        </a:solidFill>
+                        <a:effectLst/>
+                        <a:latin typeface="Calibri" panose="020F0502020204030204" pitchFamily="34" charset="0"/>
+                      </a:endParaRPr>
+                    </a:p>
+                  </a:txBody>
+                  <a:tcPr marL="9525" marR="9525" marT="9525" marB="0" anchor="b"/>
+                </a:tc>
+                <a:tc>
+                  <a:txBody>
+                    <a:bodyPr/>
+                    <a:lstStyle/>
+                    <a:p>
+                      <a:pPr algn="r" fontAlgn="b"/>
+                      <a:r>
+                        <a:rPr lang="es-ES" sz="1100" u="none" strike="noStrike">
+                          <a:effectLst/>
+                        </a:rPr>
+                        <a:t>14</a:t>
+                      </a:r>
+                      <a:endParaRPr lang="es-ES" sz="1100" b="0" i="0" u="none" strike="noStrike">
+                        <a:solidFill>
+                          <a:srgbClr val="000000"/>
+                        </a:solidFill>
+                        <a:effectLst/>
+                        <a:latin typeface="Calibri" panose="020F0502020204030204" pitchFamily="34" charset="0"/>
+                      </a:endParaRPr>
+                    </a:p>
+                  </a:txBody>
+                  <a:tcPr marL="9525" marR="9525" marT="9525" marB="0" anchor="b"/>
+                </a:tc>
+                <a:extLst>
+                  <a:ext uri="{0D108BD9-81ED-4DB2-BD59-A6C34878D82A}">
+                    <a16:rowId xmlns:a16="http://schemas.microsoft.com/office/drawing/2014/main" val="2339719829"/>
+                  </a:ext>
+                </a:extLst>
+              </a:tr>
+              <a:tr h="277015">
+                <a:tc>
+                  <a:txBody>
+                    <a:bodyPr/>
+                    <a:lstStyle/>
+                    <a:p>
+                      <a:pPr algn="l" fontAlgn="b"/>
+                      <a:r>
+                        <a:rPr lang="es-ES" sz="1100" u="none" strike="noStrike">
+                          <a:effectLst/>
+                        </a:rPr>
+                        <a:t>Shark Tiger</a:t>
+                      </a:r>
+                      <a:endParaRPr lang="es-ES" sz="1100" b="0" i="0" u="none" strike="noStrike">
+                        <a:solidFill>
+                          <a:srgbClr val="000000"/>
+                        </a:solidFill>
+                        <a:effectLst/>
+                        <a:latin typeface="Calibri" panose="020F0502020204030204" pitchFamily="34" charset="0"/>
+                      </a:endParaRPr>
+                    </a:p>
+                  </a:txBody>
+                  <a:tcPr marL="9525" marR="9525" marT="9525" marB="0" anchor="b"/>
+                </a:tc>
+                <a:tc>
+                  <a:txBody>
+                    <a:bodyPr/>
+                    <a:lstStyle/>
+                    <a:p>
+                      <a:pPr algn="r" fontAlgn="b"/>
+                      <a:r>
+                        <a:rPr lang="es-ES" sz="1100" u="none" strike="noStrike" dirty="0">
+                          <a:effectLst/>
+                        </a:rPr>
+                        <a:t>2</a:t>
+                      </a:r>
+                      <a:endParaRPr lang="es-ES" sz="1100" b="0" i="0" u="none" strike="noStrike" dirty="0">
+                        <a:solidFill>
+                          <a:srgbClr val="000000"/>
+                        </a:solidFill>
+                        <a:effectLst/>
+                        <a:latin typeface="Calibri" panose="020F0502020204030204" pitchFamily="34" charset="0"/>
+                      </a:endParaRPr>
+                    </a:p>
+                  </a:txBody>
+                  <a:tcPr marL="9525" marR="9525" marT="9525" marB="0" anchor="b"/>
+                </a:tc>
+                <a:tc>
+                  <a:txBody>
+                    <a:bodyPr/>
+                    <a:lstStyle/>
+                    <a:p>
+                      <a:pPr algn="r" fontAlgn="b"/>
+                      <a:r>
+                        <a:rPr lang="es-ES" sz="1100" u="none" strike="noStrike" dirty="0">
+                          <a:effectLst/>
+                        </a:rPr>
+                        <a:t>13</a:t>
+                      </a:r>
+                      <a:endParaRPr lang="es-ES" sz="1100" b="0" i="0" u="none" strike="noStrike" dirty="0">
+                        <a:solidFill>
+                          <a:srgbClr val="000000"/>
+                        </a:solidFill>
+                        <a:effectLst/>
+                        <a:latin typeface="Calibri" panose="020F0502020204030204" pitchFamily="34" charset="0"/>
+                      </a:endParaRPr>
+                    </a:p>
+                  </a:txBody>
+                  <a:tcPr marL="9525" marR="9525" marT="9525" marB="0" anchor="b"/>
+                </a:tc>
+                <a:extLst>
+                  <a:ext uri="{0D108BD9-81ED-4DB2-BD59-A6C34878D82A}">
+                    <a16:rowId xmlns:a16="http://schemas.microsoft.com/office/drawing/2014/main" val="888998938"/>
+                  </a:ext>
+                </a:extLst>
+              </a:tr>
+              <a:tr h="410105">
+                <a:tc>
+                  <a:txBody>
+                    <a:bodyPr/>
+                    <a:lstStyle/>
+                    <a:p>
+                      <a:pPr algn="l" fontAlgn="b"/>
+                      <a:r>
+                        <a:rPr lang="es-ES" sz="1100" u="none" strike="noStrike">
+                          <a:effectLst/>
+                        </a:rPr>
+                        <a:t>Shark Hammerhead</a:t>
+                      </a:r>
+                      <a:endParaRPr lang="es-ES" sz="1100" b="0" i="0" u="none" strike="noStrike">
+                        <a:solidFill>
+                          <a:srgbClr val="000000"/>
+                        </a:solidFill>
+                        <a:effectLst/>
+                        <a:latin typeface="Calibri" panose="020F0502020204030204" pitchFamily="34" charset="0"/>
+                      </a:endParaRPr>
+                    </a:p>
+                  </a:txBody>
+                  <a:tcPr marL="9525" marR="9525" marT="9525" marB="0" anchor="b"/>
+                </a:tc>
+                <a:tc>
+                  <a:txBody>
+                    <a:bodyPr/>
+                    <a:lstStyle/>
+                    <a:p>
+                      <a:pPr algn="r" fontAlgn="b"/>
+                      <a:r>
+                        <a:rPr lang="es-ES" sz="1100" u="none" strike="noStrike">
+                          <a:effectLst/>
+                        </a:rPr>
+                        <a:t>4</a:t>
+                      </a:r>
+                      <a:endParaRPr lang="es-ES" sz="1100" b="0" i="0" u="none" strike="noStrike">
+                        <a:solidFill>
+                          <a:srgbClr val="000000"/>
+                        </a:solidFill>
+                        <a:effectLst/>
+                        <a:latin typeface="Calibri" panose="020F0502020204030204" pitchFamily="34" charset="0"/>
+                      </a:endParaRPr>
+                    </a:p>
+                  </a:txBody>
+                  <a:tcPr marL="9525" marR="9525" marT="9525" marB="0" anchor="b"/>
+                </a:tc>
+                <a:tc>
+                  <a:txBody>
+                    <a:bodyPr/>
+                    <a:lstStyle/>
+                    <a:p>
+                      <a:pPr algn="r" fontAlgn="b"/>
+                      <a:r>
+                        <a:rPr lang="es-ES" sz="1100" u="none" strike="noStrike">
+                          <a:effectLst/>
+                        </a:rPr>
+                        <a:t>10</a:t>
+                      </a:r>
+                      <a:endParaRPr lang="es-ES" sz="1100" b="0" i="0" u="none" strike="noStrike">
+                        <a:solidFill>
+                          <a:srgbClr val="000000"/>
+                        </a:solidFill>
+                        <a:effectLst/>
+                        <a:latin typeface="Calibri" panose="020F0502020204030204" pitchFamily="34" charset="0"/>
+                      </a:endParaRPr>
+                    </a:p>
+                  </a:txBody>
+                  <a:tcPr marL="9525" marR="9525" marT="9525" marB="0" anchor="b"/>
+                </a:tc>
+                <a:extLst>
+                  <a:ext uri="{0D108BD9-81ED-4DB2-BD59-A6C34878D82A}">
+                    <a16:rowId xmlns:a16="http://schemas.microsoft.com/office/drawing/2014/main" val="4023063533"/>
+                  </a:ext>
+                </a:extLst>
+              </a:tr>
+              <a:tr h="277015">
+                <a:tc>
+                  <a:txBody>
+                    <a:bodyPr/>
+                    <a:lstStyle/>
+                    <a:p>
+                      <a:pPr algn="l" fontAlgn="b"/>
+                      <a:r>
+                        <a:rPr lang="es-ES" sz="1100" u="none" strike="noStrike">
+                          <a:effectLst/>
+                        </a:rPr>
+                        <a:t>Shark Dusky</a:t>
+                      </a:r>
+                      <a:endParaRPr lang="es-ES" sz="1100" b="0" i="0" u="none" strike="noStrike">
+                        <a:solidFill>
+                          <a:srgbClr val="000000"/>
+                        </a:solidFill>
+                        <a:effectLst/>
+                        <a:latin typeface="Calibri" panose="020F0502020204030204" pitchFamily="34" charset="0"/>
+                      </a:endParaRPr>
+                    </a:p>
+                  </a:txBody>
+                  <a:tcPr marL="9525" marR="9525" marT="9525" marB="0" anchor="b"/>
+                </a:tc>
+                <a:tc>
+                  <a:txBody>
+                    <a:bodyPr/>
+                    <a:lstStyle/>
+                    <a:p>
+                      <a:pPr algn="r" fontAlgn="b"/>
+                      <a:r>
+                        <a:rPr lang="es-ES" sz="1100" b="0" i="0" u="none" strike="noStrike" dirty="0">
+                          <a:solidFill>
+                            <a:srgbClr val="000000"/>
+                          </a:solidFill>
+                          <a:effectLst/>
+                          <a:latin typeface="Calibri" panose="020F0502020204030204" pitchFamily="34" charset="0"/>
+                        </a:rPr>
+                        <a:t>n/a</a:t>
+                      </a:r>
+                    </a:p>
+                  </a:txBody>
+                  <a:tcPr marL="9525" marR="9525" marT="9525" marB="0" anchor="b"/>
+                </a:tc>
+                <a:tc>
+                  <a:txBody>
+                    <a:bodyPr/>
+                    <a:lstStyle/>
+                    <a:p>
+                      <a:pPr algn="r" fontAlgn="b"/>
+                      <a:r>
+                        <a:rPr lang="es-ES" sz="1100" u="none" strike="noStrike">
+                          <a:effectLst/>
+                        </a:rPr>
+                        <a:t>8</a:t>
+                      </a:r>
+                      <a:endParaRPr lang="es-ES" sz="1100" b="0" i="0" u="none" strike="noStrike">
+                        <a:solidFill>
+                          <a:srgbClr val="000000"/>
+                        </a:solidFill>
+                        <a:effectLst/>
+                        <a:latin typeface="Calibri" panose="020F0502020204030204" pitchFamily="34" charset="0"/>
+                      </a:endParaRPr>
+                    </a:p>
+                  </a:txBody>
+                  <a:tcPr marL="9525" marR="9525" marT="9525" marB="0" anchor="b"/>
+                </a:tc>
+                <a:extLst>
+                  <a:ext uri="{0D108BD9-81ED-4DB2-BD59-A6C34878D82A}">
+                    <a16:rowId xmlns:a16="http://schemas.microsoft.com/office/drawing/2014/main" val="1338683837"/>
+                  </a:ext>
+                </a:extLst>
+              </a:tr>
+              <a:tr h="277015">
+                <a:tc>
+                  <a:txBody>
+                    <a:bodyPr/>
+                    <a:lstStyle/>
+                    <a:p>
+                      <a:pPr algn="l" fontAlgn="b"/>
+                      <a:r>
+                        <a:rPr lang="es-ES" sz="1100" u="none" strike="noStrike">
+                          <a:effectLst/>
+                        </a:rPr>
+                        <a:t>Shark Sand</a:t>
+                      </a:r>
+                      <a:endParaRPr lang="es-ES" sz="1100" b="0" i="0" u="none" strike="noStrike">
+                        <a:solidFill>
+                          <a:srgbClr val="000000"/>
+                        </a:solidFill>
+                        <a:effectLst/>
+                        <a:latin typeface="Calibri" panose="020F0502020204030204" pitchFamily="34" charset="0"/>
+                      </a:endParaRPr>
+                    </a:p>
+                  </a:txBody>
+                  <a:tcPr marL="9525" marR="9525" marT="9525" marB="0" anchor="b"/>
+                </a:tc>
+                <a:tc>
+                  <a:txBody>
+                    <a:bodyPr/>
+                    <a:lstStyle/>
+                    <a:p>
+                      <a:pPr algn="r" fontAlgn="b"/>
+                      <a:r>
+                        <a:rPr lang="es-ES" sz="1100" u="none" strike="noStrike">
+                          <a:effectLst/>
+                        </a:rPr>
+                        <a:t>1</a:t>
+                      </a:r>
+                      <a:endParaRPr lang="es-ES" sz="1100" b="0" i="0" u="none" strike="noStrike">
+                        <a:solidFill>
+                          <a:srgbClr val="000000"/>
+                        </a:solidFill>
+                        <a:effectLst/>
+                        <a:latin typeface="Calibri" panose="020F0502020204030204" pitchFamily="34" charset="0"/>
+                      </a:endParaRPr>
+                    </a:p>
+                  </a:txBody>
+                  <a:tcPr marL="9525" marR="9525" marT="9525" marB="0" anchor="b"/>
+                </a:tc>
+                <a:tc>
+                  <a:txBody>
+                    <a:bodyPr/>
+                    <a:lstStyle/>
+                    <a:p>
+                      <a:pPr algn="r" fontAlgn="b"/>
+                      <a:r>
+                        <a:rPr lang="es-ES" sz="1100" u="none" strike="noStrike" dirty="0">
+                          <a:effectLst/>
+                        </a:rPr>
+                        <a:t>7</a:t>
+                      </a:r>
+                      <a:endParaRPr lang="es-ES" sz="1100" b="0" i="0" u="none" strike="noStrike" dirty="0">
+                        <a:solidFill>
+                          <a:srgbClr val="000000"/>
+                        </a:solidFill>
+                        <a:effectLst/>
+                        <a:latin typeface="Calibri" panose="020F0502020204030204" pitchFamily="34" charset="0"/>
+                      </a:endParaRPr>
+                    </a:p>
+                  </a:txBody>
+                  <a:tcPr marL="9525" marR="9525" marT="9525" marB="0" anchor="b"/>
+                </a:tc>
+                <a:extLst>
+                  <a:ext uri="{0D108BD9-81ED-4DB2-BD59-A6C34878D82A}">
+                    <a16:rowId xmlns:a16="http://schemas.microsoft.com/office/drawing/2014/main" val="48634823"/>
+                  </a:ext>
+                </a:extLst>
+              </a:tr>
+              <a:tr h="539134">
+                <a:tc>
+                  <a:txBody>
+                    <a:bodyPr/>
+                    <a:lstStyle/>
+                    <a:p>
+                      <a:pPr algn="l" fontAlgn="b"/>
+                      <a:r>
+                        <a:rPr lang="es-ES" sz="1100" u="none" strike="noStrike">
+                          <a:effectLst/>
+                        </a:rPr>
+                        <a:t>Shark Bronze</a:t>
+                      </a:r>
+                      <a:endParaRPr lang="es-ES" sz="1100" b="0" i="0" u="none" strike="noStrike">
+                        <a:solidFill>
+                          <a:srgbClr val="000000"/>
+                        </a:solidFill>
+                        <a:effectLst/>
+                        <a:latin typeface="Calibri" panose="020F0502020204030204" pitchFamily="34" charset="0"/>
+                      </a:endParaRPr>
+                    </a:p>
+                  </a:txBody>
+                  <a:tcPr marL="9525" marR="9525" marT="9525" marB="0" anchor="b"/>
+                </a:tc>
+                <a:tc>
+                  <a:txBody>
+                    <a:bodyPr/>
+                    <a:lstStyle/>
+                    <a:p>
+                      <a:pPr marL="0" marR="0" lvl="0" indent="0" algn="r" defTabSz="457200" rtl="0" eaLnBrk="1" fontAlgn="b" latinLnBrk="0" hangingPunct="1">
+                        <a:lnSpc>
+                          <a:spcPct val="100000"/>
+                        </a:lnSpc>
+                        <a:spcBef>
+                          <a:spcPts val="0"/>
+                        </a:spcBef>
+                        <a:spcAft>
+                          <a:spcPts val="0"/>
+                        </a:spcAft>
+                        <a:buClrTx/>
+                        <a:buSzTx/>
+                        <a:buFontTx/>
+                        <a:buNone/>
+                        <a:tabLst/>
+                        <a:defRPr/>
+                      </a:pPr>
+                      <a:r>
+                        <a:rPr lang="es-ES" sz="1100" b="0" i="0" u="none" strike="noStrike" dirty="0">
+                          <a:solidFill>
+                            <a:srgbClr val="000000"/>
+                          </a:solidFill>
+                          <a:effectLst/>
+                          <a:latin typeface="Calibri" panose="020F0502020204030204" pitchFamily="34" charset="0"/>
+                        </a:rPr>
+                        <a:t>n/a</a:t>
+                      </a:r>
+                    </a:p>
+                    <a:p>
+                      <a:pPr marL="0" marR="0" lvl="0" indent="0" algn="r" defTabSz="457200" rtl="0" eaLnBrk="1" fontAlgn="b" latinLnBrk="0" hangingPunct="1">
+                        <a:lnSpc>
+                          <a:spcPct val="100000"/>
+                        </a:lnSpc>
+                        <a:spcBef>
+                          <a:spcPts val="0"/>
+                        </a:spcBef>
+                        <a:spcAft>
+                          <a:spcPts val="0"/>
+                        </a:spcAft>
+                        <a:buClrTx/>
+                        <a:buSzTx/>
+                        <a:buFontTx/>
+                        <a:buNone/>
+                        <a:tabLst/>
+                        <a:defRPr/>
+                      </a:pPr>
+                      <a:endParaRPr lang="es-ES" sz="1100" b="0" i="0" u="none" strike="noStrike" dirty="0">
+                        <a:solidFill>
+                          <a:srgbClr val="000000"/>
+                        </a:solidFill>
+                        <a:effectLst/>
+                        <a:latin typeface="Calibri" panose="020F0502020204030204" pitchFamily="34" charset="0"/>
+                      </a:endParaRPr>
+                    </a:p>
+                  </a:txBody>
+                  <a:tcPr marL="9525" marR="9525" marT="9525" marB="0" anchor="b"/>
+                </a:tc>
+                <a:tc>
+                  <a:txBody>
+                    <a:bodyPr/>
+                    <a:lstStyle/>
+                    <a:p>
+                      <a:pPr algn="r" fontAlgn="b"/>
+                      <a:r>
+                        <a:rPr lang="es-ES" sz="1100" u="none" strike="noStrike" dirty="0">
+                          <a:effectLst/>
+                        </a:rPr>
+                        <a:t>4</a:t>
+                      </a:r>
+                      <a:endParaRPr lang="es-ES" sz="1100" b="0" i="0" u="none" strike="noStrike" dirty="0">
+                        <a:solidFill>
+                          <a:srgbClr val="000000"/>
+                        </a:solidFill>
+                        <a:effectLst/>
+                        <a:latin typeface="Calibri" panose="020F0502020204030204" pitchFamily="34" charset="0"/>
+                      </a:endParaRPr>
+                    </a:p>
+                  </a:txBody>
+                  <a:tcPr marL="9525" marR="9525" marT="9525" marB="0" anchor="b"/>
+                </a:tc>
+                <a:extLst>
+                  <a:ext uri="{0D108BD9-81ED-4DB2-BD59-A6C34878D82A}">
+                    <a16:rowId xmlns:a16="http://schemas.microsoft.com/office/drawing/2014/main" val="3130520813"/>
+                  </a:ext>
+                </a:extLst>
+              </a:tr>
+              <a:tr h="277015">
+                <a:tc>
+                  <a:txBody>
+                    <a:bodyPr/>
+                    <a:lstStyle/>
+                    <a:p>
+                      <a:pPr algn="l" fontAlgn="b"/>
+                      <a:r>
+                        <a:rPr lang="es-ES" sz="1100" b="1" u="none" strike="noStrike" dirty="0">
+                          <a:effectLst/>
+                        </a:rPr>
+                        <a:t>Total general</a:t>
+                      </a:r>
+                      <a:endParaRPr lang="es-ES" sz="1100" b="1" i="0" u="none" strike="noStrike" dirty="0">
+                        <a:solidFill>
+                          <a:srgbClr val="000000"/>
+                        </a:solidFill>
+                        <a:effectLst/>
+                        <a:latin typeface="Calibri" panose="020F0502020204030204" pitchFamily="34" charset="0"/>
+                      </a:endParaRPr>
+                    </a:p>
+                  </a:txBody>
+                  <a:tcPr marL="9525" marR="9525" marT="9525" marB="0" anchor="b"/>
+                </a:tc>
+                <a:tc>
+                  <a:txBody>
+                    <a:bodyPr/>
+                    <a:lstStyle/>
+                    <a:p>
+                      <a:pPr algn="r" fontAlgn="b"/>
+                      <a:r>
+                        <a:rPr lang="es-ES" sz="1100" b="1" u="none" strike="noStrike" dirty="0">
+                          <a:effectLst/>
+                        </a:rPr>
+                        <a:t>45</a:t>
+                      </a:r>
+                      <a:endParaRPr lang="es-ES" sz="1100" b="1" i="0" u="none" strike="noStrike" dirty="0">
+                        <a:solidFill>
+                          <a:srgbClr val="000000"/>
+                        </a:solidFill>
+                        <a:effectLst/>
+                        <a:latin typeface="Calibri" panose="020F0502020204030204" pitchFamily="34" charset="0"/>
+                      </a:endParaRPr>
+                    </a:p>
+                  </a:txBody>
+                  <a:tcPr marL="9525" marR="9525" marT="9525" marB="0" anchor="b"/>
+                </a:tc>
+                <a:tc>
+                  <a:txBody>
+                    <a:bodyPr/>
+                    <a:lstStyle/>
+                    <a:p>
+                      <a:pPr algn="r" fontAlgn="b"/>
+                      <a:r>
+                        <a:rPr lang="es-ES" sz="1100" b="1" u="none" strike="noStrike" dirty="0">
+                          <a:effectLst/>
+                        </a:rPr>
+                        <a:t>289</a:t>
+                      </a:r>
+                      <a:endParaRPr lang="es-ES" sz="1100" b="1" i="0" u="none" strike="noStrike" dirty="0">
+                        <a:solidFill>
+                          <a:srgbClr val="000000"/>
+                        </a:solidFill>
+                        <a:effectLst/>
+                        <a:latin typeface="Calibri" panose="020F0502020204030204" pitchFamily="34" charset="0"/>
+                      </a:endParaRPr>
+                    </a:p>
+                  </a:txBody>
+                  <a:tcPr marL="9525" marR="9525" marT="9525" marB="0" anchor="b"/>
+                </a:tc>
+                <a:extLst>
+                  <a:ext uri="{0D108BD9-81ED-4DB2-BD59-A6C34878D82A}">
+                    <a16:rowId xmlns:a16="http://schemas.microsoft.com/office/drawing/2014/main" val="885906786"/>
+                  </a:ext>
+                </a:extLst>
+              </a:tr>
+            </a:tbl>
+          </a:graphicData>
+        </a:graphic>
+      </p:graphicFrame>
+    </p:spTree>
+    <p:extLst>
+      <p:ext uri="{BB962C8B-B14F-4D97-AF65-F5344CB8AC3E}">
+        <p14:creationId xmlns:p14="http://schemas.microsoft.com/office/powerpoint/2010/main" val="3836140222"/>
+      </p:ext>
+    </p:extLst>
+  </p:cSld>
+  <p:clrMapOvr>
+    <a:masterClrMapping/>
+  </p:clrMapOvr>
+</p:sld>
+</file>
+
+<file path=ppt/slides/slide11.xml><?xml version="1.0" encoding="utf-8"?>
+<p:sld xmlns:a="http://schemas.openxmlformats.org/drawingml/2006/main" xmlns:r="http://schemas.openxmlformats.org/officeDocument/2006/relationships" xmlns:p="http://schemas.openxmlformats.org/presentationml/2006/main">
+  <p:cSld>
+    <p:spTree>
+      <p:nvGrpSpPr>
+        <p:cNvPr id="1" name=""/>
+        <p:cNvGrpSpPr/>
+        <p:nvPr/>
+      </p:nvGrpSpPr>
+      <p:grpSpPr>
+        <a:xfrm>
+          <a:off x="0" y="0"/>
+          <a:ext cx="0" cy="0"/>
+          <a:chOff x="0" y="0"/>
+          <a:chExt cx="0" cy="0"/>
+        </a:xfrm>
+      </p:grpSpPr>
+      <p:sp>
+        <p:nvSpPr>
+          <p:cNvPr id="2" name="Título 1">
+            <a:extLst>
+              <a:ext uri="{FF2B5EF4-FFF2-40B4-BE49-F238E27FC236}">
+                <a16:creationId xmlns:a16="http://schemas.microsoft.com/office/drawing/2014/main" id="{164DEEA9-A2BE-4209-7BD9-A0F218F66009}"/>
+              </a:ext>
+            </a:extLst>
+          </p:cNvPr>
+          <p:cNvSpPr>
+            <a:spLocks noGrp="1"/>
+          </p:cNvSpPr>
+          <p:nvPr>
+            <p:ph type="title"/>
+          </p:nvPr>
+        </p:nvSpPr>
+        <p:spPr/>
+        <p:txBody>
+          <a:bodyPr/>
+          <a:lstStyle/>
+          <a:p>
+            <a:r>
+              <a:rPr lang="es-ES" dirty="0"/>
+              <a:t>Gracias por la atención</a:t>
+            </a:r>
+          </a:p>
+        </p:txBody>
+      </p:sp>
+      <p:sp>
+        <p:nvSpPr>
+          <p:cNvPr id="4" name="Marcador de contenido 3">
+            <a:extLst>
+              <a:ext uri="{FF2B5EF4-FFF2-40B4-BE49-F238E27FC236}">
+                <a16:creationId xmlns:a16="http://schemas.microsoft.com/office/drawing/2014/main" id="{25A42EE3-D0FB-6905-637A-BD01ED8CABDB}"/>
+              </a:ext>
+            </a:extLst>
+          </p:cNvPr>
+          <p:cNvSpPr>
+            <a:spLocks noGrp="1"/>
+          </p:cNvSpPr>
+          <p:nvPr>
+            <p:ph sz="half" idx="2"/>
+          </p:nvPr>
+        </p:nvSpPr>
+        <p:spPr>
+          <a:xfrm>
+            <a:off x="1421364" y="1853248"/>
+            <a:ext cx="4396339" cy="3741738"/>
+          </a:xfrm>
+        </p:spPr>
+        <p:txBody>
+          <a:bodyPr/>
+          <a:lstStyle/>
+          <a:p>
+            <a:r>
+              <a:rPr lang="es-ES" dirty="0"/>
+              <a:t>Procuren ir a Australia en avión y con calcetines altos.</a:t>
+            </a:r>
+          </a:p>
+          <a:p>
+            <a:r>
+              <a:rPr lang="es-ES" dirty="0"/>
+              <a:t>Si vistan USA dejen a un lado los sándwiches de cacahuete.</a:t>
+            </a:r>
+          </a:p>
+          <a:p>
+            <a:r>
+              <a:rPr lang="es-ES" dirty="0"/>
+              <a:t>Llevar </a:t>
+            </a:r>
+            <a:r>
+              <a:rPr lang="es-ES" dirty="0" err="1"/>
+              <a:t>Crocs</a:t>
+            </a:r>
+            <a:r>
+              <a:rPr lang="es-ES" dirty="0"/>
+              <a:t> Rosas alertan de que usted es el peligro. Así que lleven un par puestas siempre.</a:t>
+            </a:r>
+          </a:p>
+        </p:txBody>
+      </p:sp>
+    </p:spTree>
+    <p:extLst>
+      <p:ext uri="{BB962C8B-B14F-4D97-AF65-F5344CB8AC3E}">
+        <p14:creationId xmlns:p14="http://schemas.microsoft.com/office/powerpoint/2010/main" val="1028890056"/>
+      </p:ext>
+    </p:extLst>
+  </p:cSld>
+  <p:clrMapOvr>
+    <a:masterClrMapping/>
+  </p:clrMapOvr>
+</p:sld>
+</file>
+
 <file path=ppt/slides/slide2.xml><?xml version="1.0" encoding="utf-8"?>
 <p:sld xmlns:a="http://schemas.openxmlformats.org/drawingml/2006/main" xmlns:r="http://schemas.openxmlformats.org/officeDocument/2006/relationships" xmlns:p="http://schemas.openxmlformats.org/presentationml/2006/main">
   <p:cSld>
@@ -12739,7 +14155,7 @@
           <a:p>
             <a:r>
               <a:rPr lang="es-ES" dirty="0"/>
-              <a:t>¿Son los tiburones sexistas?</a:t>
+              <a:t>Las especies solo mordedoras</a:t>
             </a:r>
           </a:p>
         </p:txBody>
@@ -12762,7 +14178,7 @@
         </p:nvSpPr>
         <p:spPr>
           <a:xfrm>
-            <a:off x="6639342" y="2289313"/>
+            <a:off x="7447725" y="2289313"/>
             <a:ext cx="4396339" cy="3741738"/>
           </a:xfrm>
         </p:spPr>
@@ -12772,26 +14188,31 @@
           <a:p>
             <a:r>
               <a:rPr lang="es-ES" dirty="0"/>
-              <a:t>Parece ser que si! Prefieren los hombres! </a:t>
+              <a:t>El mayor número de ataques en general se produce en USA, Florida. </a:t>
             </a:r>
           </a:p>
           <a:p>
             <a:r>
               <a:rPr lang="es-ES" dirty="0"/>
-              <a:t>Aunque cabe considerar que hay estudios que demuestran que los hombres son mas asiduos al riesgo y a hacer el tonto. Por lo que viven menos. Y eso los tiburones lo saben también!</a:t>
+              <a:t>Seguido de Australia, New South </a:t>
             </a:r>
-          </a:p>
-          <a:p>
-            <a:endParaRPr lang="es-ES" dirty="0"/>
+            <a:r>
+              <a:rPr lang="es-ES" dirty="0" err="1"/>
+              <a:t>Wales</a:t>
+            </a:r>
+            <a:r>
+              <a:rPr lang="es-ES" dirty="0"/>
+              <a:t>.</a:t>
+            </a:r>
           </a:p>
         </p:txBody>
       </p:sp>
       <p:graphicFrame>
         <p:nvGraphicFramePr>
-          <p:cNvPr id="5" name="Tabla 4">
+          <p:cNvPr id="4" name="Tabla 3">
             <a:extLst>
               <a:ext uri="{FF2B5EF4-FFF2-40B4-BE49-F238E27FC236}">
-                <a16:creationId xmlns:a16="http://schemas.microsoft.com/office/drawing/2014/main" id="{15AECC9E-6AE6-001A-8E2B-47B6F5CF2BC0}"/>
+                <a16:creationId xmlns:a16="http://schemas.microsoft.com/office/drawing/2014/main" id="{E08090BB-36D9-4A40-1448-26707F9A230E}"/>
               </a:ext>
             </a:extLst>
           </p:cNvPr>
@@ -12801,14 +14222,14 @@
           <p:nvPr>
             <p:extLst>
               <p:ext uri="{D42A27DB-BD31-4B8C-83A1-F6EECF244321}">
-                <p14:modId xmlns:p14="http://schemas.microsoft.com/office/powerpoint/2010/main" val="2804345992"/>
+                <p14:modId xmlns:p14="http://schemas.microsoft.com/office/powerpoint/2010/main" val="2440335723"/>
               </p:ext>
             </p:extLst>
           </p:nvPr>
         </p:nvGraphicFramePr>
         <p:xfrm>
-          <a:off x="1454357" y="1719489"/>
-          <a:ext cx="4396338" cy="4535538"/>
+          <a:off x="503238" y="2540931"/>
+          <a:ext cx="6026150" cy="3461981"/>
         </p:xfrm>
         <a:graphic>
           <a:graphicData uri="http://schemas.openxmlformats.org/drawingml/2006/table">
@@ -12817,86 +14238,62 @@
                 <a:tableStyleId>{5C22544A-7EE6-4342-B048-85BDC9FD1C3A}</a:tableStyleId>
               </a:tblPr>
               <a:tblGrid>
-                <a:gridCol w="1859516">
+                <a:gridCol w="3090904">
                   <a:extLst>
                     <a:ext uri="{9D8B030D-6E8A-4147-A177-3AD203B41FA5}">
-                      <a16:colId xmlns:a16="http://schemas.microsoft.com/office/drawing/2014/main" val="3986154542"/>
+                      <a16:colId xmlns:a16="http://schemas.microsoft.com/office/drawing/2014/main" val="1214586204"/>
                     </a:ext>
                   </a:extLst>
                 </a:gridCol>
-                <a:gridCol w="1268411">
+                <a:gridCol w="2935246">
                   <a:extLst>
                     <a:ext uri="{9D8B030D-6E8A-4147-A177-3AD203B41FA5}">
-                      <a16:colId xmlns:a16="http://schemas.microsoft.com/office/drawing/2014/main" val="180211024"/>
-                    </a:ext>
-                  </a:extLst>
-                </a:gridCol>
-                <a:gridCol w="1268411">
-                  <a:extLst>
-                    <a:ext uri="{9D8B030D-6E8A-4147-A177-3AD203B41FA5}">
-                      <a16:colId xmlns:a16="http://schemas.microsoft.com/office/drawing/2014/main" val="2777964787"/>
+                      <a16:colId xmlns:a16="http://schemas.microsoft.com/office/drawing/2014/main" val="1096817176"/>
                     </a:ext>
                   </a:extLst>
                 </a:gridCol>
               </a:tblGrid>
-              <a:tr h="277015">
-                <a:tc>
-                  <a:txBody>
-                    <a:bodyPr/>
-                    <a:lstStyle/>
-                    <a:p>
-                      <a:pPr algn="ctr" fontAlgn="b"/>
+              <a:tr h="205301">
+                <a:tc>
+                  <a:txBody>
+                    <a:bodyPr/>
+                    <a:lstStyle/>
+                    <a:p>
+                      <a:pPr algn="l" fontAlgn="b"/>
+                      <a:r>
+                        <a:rPr lang="es-ES" sz="1100" b="1" u="none" strike="noStrike">
+                          <a:effectLst/>
+                        </a:rPr>
+                        <a:t>Pais y Región</a:t>
+                      </a:r>
+                      <a:endParaRPr lang="es-ES" sz="1100" b="1" i="0" u="none" strike="noStrike">
+                        <a:solidFill>
+                          <a:srgbClr val="000000"/>
+                        </a:solidFill>
+                        <a:effectLst/>
+                        <a:latin typeface="Calibri" panose="020F0502020204030204" pitchFamily="34" charset="0"/>
+                      </a:endParaRPr>
+                    </a:p>
+                  </a:txBody>
+                  <a:tcPr marL="9525" marR="9525" marT="9525" marB="0" anchor="b"/>
+                </a:tc>
+                <a:tc>
+                  <a:txBody>
+                    <a:bodyPr/>
+                    <a:lstStyle/>
+                    <a:p>
+                      <a:pPr algn="l" fontAlgn="b"/>
                       <a:r>
                         <a:rPr lang="es-ES" sz="1100" b="1" u="none" strike="noStrike" dirty="0">
                           <a:effectLst/>
                         </a:rPr>
-                        <a:t>Etiquetas de fila</a:t>
-                      </a:r>
-                      <a:endParaRPr lang="es-ES" sz="1100" b="1" i="0" u="none" strike="noStrike" dirty="0">
-                        <a:solidFill>
-                          <a:srgbClr val="000000"/>
-                        </a:solidFill>
-                        <a:effectLst/>
-                        <a:latin typeface="Calibri" panose="020F0502020204030204" pitchFamily="34" charset="0"/>
-                      </a:endParaRPr>
-                    </a:p>
-                  </a:txBody>
-                  <a:tcPr marL="9525" marR="9525" marT="9525" marB="0" anchor="b"/>
-                </a:tc>
-                <a:tc>
-                  <a:txBody>
-                    <a:bodyPr/>
-                    <a:lstStyle/>
-                    <a:p>
-                      <a:pPr algn="r" fontAlgn="b"/>
-                      <a:r>
-                        <a:rPr lang="es-ES" sz="1100" b="1" u="none" strike="noStrike" dirty="0">
-                          <a:effectLst/>
-                        </a:rPr>
-                        <a:t>F</a:t>
-                      </a:r>
-                      <a:endParaRPr lang="es-ES" sz="1100" b="1" i="0" u="none" strike="noStrike" dirty="0">
-                        <a:solidFill>
-                          <a:srgbClr val="000000"/>
-                        </a:solidFill>
-                        <a:effectLst/>
-                        <a:latin typeface="Calibri" panose="020F0502020204030204" pitchFamily="34" charset="0"/>
-                      </a:endParaRPr>
-                    </a:p>
-                  </a:txBody>
-                  <a:tcPr marL="9525" marR="9525" marT="9525" marB="0" anchor="b"/>
-                </a:tc>
-                <a:tc>
-                  <a:txBody>
-                    <a:bodyPr/>
-                    <a:lstStyle/>
-                    <a:p>
-                      <a:pPr algn="r" fontAlgn="b"/>
-                      <a:r>
-                        <a:rPr lang="es-ES" sz="1100" b="1" u="none" strike="noStrike" dirty="0">
-                          <a:effectLst/>
-                        </a:rPr>
-                        <a:t>M</a:t>
+                        <a:t>Cuenta de </a:t>
+                      </a:r>
+                      <a:r>
+                        <a:rPr lang="es-ES" sz="1100" b="1" u="none" strike="noStrike" dirty="0" err="1">
+                          <a:effectLst/>
+                        </a:rPr>
+                        <a:t>fatality</a:t>
                       </a:r>
                       <a:endParaRPr lang="es-ES" sz="1100" b="1" i="0" u="none" strike="noStrike" dirty="0">
                         <a:solidFill>
@@ -12911,11 +14308,11 @@
                 </a:tc>
                 <a:extLst>
                   <a:ext uri="{0D108BD9-81ED-4DB2-BD59-A6C34878D82A}">
-                    <a16:rowId xmlns:a16="http://schemas.microsoft.com/office/drawing/2014/main" val="419555035"/>
+                    <a16:rowId xmlns:a16="http://schemas.microsoft.com/office/drawing/2014/main" val="715518200"/>
                   </a:ext>
                 </a:extLst>
               </a:tr>
-              <a:tr h="277015">
+              <a:tr h="205301">
                 <a:tc>
                   <a:txBody>
                     <a:bodyPr/>
@@ -12923,12 +14320,12 @@
                     <a:p>
                       <a:pPr algn="l" fontAlgn="b"/>
                       <a:r>
-                        <a:rPr lang="es-ES" sz="1100" u="none" strike="noStrike">
-                          <a:effectLst/>
-                        </a:rPr>
-                        <a:t>Shark White</a:t>
-                      </a:r>
-                      <a:endParaRPr lang="es-ES" sz="1100" b="0" i="0" u="none" strike="noStrike">
+                        <a:rPr lang="es-ES" sz="1100" b="1" u="none" strike="noStrike" dirty="0">
+                          <a:effectLst/>
+                        </a:rPr>
+                        <a:t>Australia</a:t>
+                      </a:r>
+                      <a:endParaRPr lang="es-ES" sz="1100" b="1" i="0" u="none" strike="noStrike" dirty="0">
                         <a:solidFill>
                           <a:srgbClr val="000000"/>
                         </a:solidFill>
@@ -12946,35 +14343,12 @@
                     <a:p>
                       <a:pPr algn="r" fontAlgn="b"/>
                       <a:r>
-                        <a:rPr lang="es-ES" sz="1100" u="none" strike="noStrike" dirty="0">
-                          <a:effectLst/>
-                        </a:rPr>
-                        <a:t>11</a:t>
-                      </a:r>
-                      <a:endParaRPr lang="es-ES" sz="1100" b="0" i="0" u="none" strike="noStrike" dirty="0">
-                        <a:solidFill>
-                          <a:srgbClr val="000000"/>
-                        </a:solidFill>
-                        <a:effectLst/>
-                        <a:latin typeface="Calibri" panose="020F0502020204030204" pitchFamily="34" charset="0"/>
-                      </a:endParaRPr>
-                    </a:p>
-                  </a:txBody>
-                  <a:tcPr marL="9525" marR="9525" marT="9525" marB="0" anchor="b"/>
-                </a:tc>
-                <a:tc>
-                  <a:txBody>
-                    <a:bodyPr/>
-                    <a:lstStyle/>
-                    <a:p>
-                      <a:pPr algn="r" fontAlgn="b"/>
-                      <a:r>
-                        <a:rPr lang="es-ES" sz="1100" u="none" strike="noStrike">
-                          <a:effectLst/>
-                        </a:rPr>
-                        <a:t>113</a:t>
-                      </a:r>
-                      <a:endParaRPr lang="es-ES" sz="1100" b="0" i="0" u="none" strike="noStrike">
+                        <a:rPr lang="es-ES" sz="1100" b="1" u="none" strike="noStrike" dirty="0">
+                          <a:effectLst/>
+                        </a:rPr>
+                        <a:t>569</a:t>
+                      </a:r>
+                      <a:endParaRPr lang="es-ES" sz="1100" b="1" i="0" u="none" strike="noStrike" dirty="0">
                         <a:solidFill>
                           <a:srgbClr val="000000"/>
                         </a:solidFill>
@@ -12987,11 +14361,11 @@
                 </a:tc>
                 <a:extLst>
                   <a:ext uri="{0D108BD9-81ED-4DB2-BD59-A6C34878D82A}">
-                    <a16:rowId xmlns:a16="http://schemas.microsoft.com/office/drawing/2014/main" val="345252314"/>
+                    <a16:rowId xmlns:a16="http://schemas.microsoft.com/office/drawing/2014/main" val="2401684388"/>
                   </a:ext>
                 </a:extLst>
               </a:tr>
-              <a:tr h="277015">
+              <a:tr h="205301">
                 <a:tc>
                   <a:txBody>
                     <a:bodyPr/>
@@ -13002,7 +14376,7 @@
                         <a:rPr lang="es-ES" sz="1100" u="none" strike="noStrike">
                           <a:effectLst/>
                         </a:rPr>
-                        <a:t>Shark Blacktip</a:t>
+                        <a:t>New South Wales</a:t>
                       </a:r>
                       <a:endParaRPr lang="es-ES" sz="1100" b="0" i="0" u="none" strike="noStrike">
                         <a:solidFill>
@@ -13013,7 +14387,7 @@
                       </a:endParaRPr>
                     </a:p>
                   </a:txBody>
-                  <a:tcPr marL="9525" marR="9525" marT="9525" marB="0" anchor="b"/>
+                  <a:tcPr marL="57150" marR="9525" marT="9525" marB="0" anchor="b"/>
                 </a:tc>
                 <a:tc>
                   <a:txBody>
@@ -13022,33 +14396,10 @@
                     <a:p>
                       <a:pPr algn="r" fontAlgn="b"/>
                       <a:r>
-                        <a:rPr lang="es-ES" sz="1100" u="none" strike="noStrike" dirty="0">
-                          <a:effectLst/>
-                        </a:rPr>
-                        <a:t>4</a:t>
-                      </a:r>
-                      <a:endParaRPr lang="es-ES" sz="1100" b="0" i="0" u="none" strike="noStrike" dirty="0">
-                        <a:solidFill>
-                          <a:srgbClr val="000000"/>
-                        </a:solidFill>
-                        <a:effectLst/>
-                        <a:latin typeface="Calibri" panose="020F0502020204030204" pitchFamily="34" charset="0"/>
-                      </a:endParaRPr>
-                    </a:p>
-                  </a:txBody>
-                  <a:tcPr marL="9525" marR="9525" marT="9525" marB="0" anchor="b"/>
-                </a:tc>
-                <a:tc>
-                  <a:txBody>
-                    <a:bodyPr/>
-                    <a:lstStyle/>
-                    <a:p>
-                      <a:pPr algn="r" fontAlgn="b"/>
-                      <a:r>
                         <a:rPr lang="es-ES" sz="1100" u="none" strike="noStrike">
                           <a:effectLst/>
                         </a:rPr>
-                        <a:t>27</a:t>
+                        <a:t>209</a:t>
                       </a:r>
                       <a:endParaRPr lang="es-ES" sz="1100" b="0" i="0" u="none" strike="noStrike">
                         <a:solidFill>
@@ -13063,11 +14414,11 @@
                 </a:tc>
                 <a:extLst>
                   <a:ext uri="{0D108BD9-81ED-4DB2-BD59-A6C34878D82A}">
-                    <a16:rowId xmlns:a16="http://schemas.microsoft.com/office/drawing/2014/main" val="1190571458"/>
+                    <a16:rowId xmlns:a16="http://schemas.microsoft.com/office/drawing/2014/main" val="2821474579"/>
                   </a:ext>
                 </a:extLst>
               </a:tr>
-              <a:tr h="277015">
+              <a:tr h="205301">
                 <a:tc>
                   <a:txBody>
                     <a:bodyPr/>
@@ -13078,7 +14429,7 @@
                         <a:rPr lang="es-ES" sz="1100" u="none" strike="noStrike">
                           <a:effectLst/>
                         </a:rPr>
-                        <a:t>Shark Small</a:t>
+                        <a:t>Queensland</a:t>
                       </a:r>
                       <a:endParaRPr lang="es-ES" sz="1100" b="0" i="0" u="none" strike="noStrike">
                         <a:solidFill>
@@ -13089,7 +14440,7 @@
                       </a:endParaRPr>
                     </a:p>
                   </a:txBody>
-                  <a:tcPr marL="9525" marR="9525" marT="9525" marB="0" anchor="b"/>
+                  <a:tcPr marL="57150" marR="9525" marT="9525" marB="0" anchor="b"/>
                 </a:tc>
                 <a:tc>
                   <a:txBody>
@@ -13098,33 +14449,10 @@
                     <a:p>
                       <a:pPr algn="r" fontAlgn="b"/>
                       <a:r>
-                        <a:rPr lang="es-ES" sz="1100" u="none" strike="noStrike" dirty="0">
-                          <a:effectLst/>
-                        </a:rPr>
-                        <a:t>13</a:t>
-                      </a:r>
-                      <a:endParaRPr lang="es-ES" sz="1100" b="0" i="0" u="none" strike="noStrike" dirty="0">
-                        <a:solidFill>
-                          <a:srgbClr val="000000"/>
-                        </a:solidFill>
-                        <a:effectLst/>
-                        <a:latin typeface="Calibri" panose="020F0502020204030204" pitchFamily="34" charset="0"/>
-                      </a:endParaRPr>
-                    </a:p>
-                  </a:txBody>
-                  <a:tcPr marL="9525" marR="9525" marT="9525" marB="0" anchor="b"/>
-                </a:tc>
-                <a:tc>
-                  <a:txBody>
-                    <a:bodyPr/>
-                    <a:lstStyle/>
-                    <a:p>
-                      <a:pPr algn="r" fontAlgn="b"/>
-                      <a:r>
                         <a:rPr lang="es-ES" sz="1100" u="none" strike="noStrike">
                           <a:effectLst/>
                         </a:rPr>
-                        <a:t>27</a:t>
+                        <a:t>135</a:t>
                       </a:r>
                       <a:endParaRPr lang="es-ES" sz="1100" b="0" i="0" u="none" strike="noStrike">
                         <a:solidFill>
@@ -13139,11 +14467,11 @@
                 </a:tc>
                 <a:extLst>
                   <a:ext uri="{0D108BD9-81ED-4DB2-BD59-A6C34878D82A}">
-                    <a16:rowId xmlns:a16="http://schemas.microsoft.com/office/drawing/2014/main" val="1833573568"/>
+                    <a16:rowId xmlns:a16="http://schemas.microsoft.com/office/drawing/2014/main" val="3742905894"/>
                   </a:ext>
                 </a:extLst>
               </a:tr>
-              <a:tr h="277015">
+              <a:tr h="205301">
                 <a:tc>
                   <a:txBody>
                     <a:bodyPr/>
@@ -13154,7 +14482,7 @@
                         <a:rPr lang="es-ES" sz="1100" u="none" strike="noStrike">
                           <a:effectLst/>
                         </a:rPr>
-                        <a:t>Shark Nurse</a:t>
+                        <a:t>South Australia</a:t>
                       </a:r>
                       <a:endParaRPr lang="es-ES" sz="1100" b="0" i="0" u="none" strike="noStrike">
                         <a:solidFill>
@@ -13165,7 +14493,7 @@
                       </a:endParaRPr>
                     </a:p>
                   </a:txBody>
-                  <a:tcPr marL="9525" marR="9525" marT="9525" marB="0" anchor="b"/>
+                  <a:tcPr marL="57150" marR="9525" marT="9525" marB="0" anchor="b"/>
                 </a:tc>
                 <a:tc>
                   <a:txBody>
@@ -13177,32 +14505,9 @@
                         <a:rPr lang="es-ES" sz="1100" u="none" strike="noStrike">
                           <a:effectLst/>
                         </a:rPr>
-                        <a:t>1</a:t>
+                        <a:t>63</a:t>
                       </a:r>
                       <a:endParaRPr lang="es-ES" sz="1100" b="0" i="0" u="none" strike="noStrike">
-                        <a:solidFill>
-                          <a:srgbClr val="000000"/>
-                        </a:solidFill>
-                        <a:effectLst/>
-                        <a:latin typeface="Calibri" panose="020F0502020204030204" pitchFamily="34" charset="0"/>
-                      </a:endParaRPr>
-                    </a:p>
-                  </a:txBody>
-                  <a:tcPr marL="9525" marR="9525" marT="9525" marB="0" anchor="b"/>
-                </a:tc>
-                <a:tc>
-                  <a:txBody>
-                    <a:bodyPr/>
-                    <a:lstStyle/>
-                    <a:p>
-                      <a:pPr algn="r" fontAlgn="b"/>
-                      <a:r>
-                        <a:rPr lang="es-ES" sz="1100" u="none" strike="noStrike" dirty="0">
-                          <a:effectLst/>
-                        </a:rPr>
-                        <a:t>24</a:t>
-                      </a:r>
-                      <a:endParaRPr lang="es-ES" sz="1100" b="0" i="0" u="none" strike="noStrike" dirty="0">
                         <a:solidFill>
                           <a:srgbClr val="000000"/>
                         </a:solidFill>
@@ -13215,11 +14520,11 @@
                 </a:tc>
                 <a:extLst>
                   <a:ext uri="{0D108BD9-81ED-4DB2-BD59-A6C34878D82A}">
-                    <a16:rowId xmlns:a16="http://schemas.microsoft.com/office/drawing/2014/main" val="103013273"/>
+                    <a16:rowId xmlns:a16="http://schemas.microsoft.com/office/drawing/2014/main" val="3912759795"/>
                   </a:ext>
                 </a:extLst>
               </a:tr>
-              <a:tr h="277015">
+              <a:tr h="205301">
                 <a:tc>
                   <a:txBody>
                     <a:bodyPr/>
@@ -13230,7 +14535,7 @@
                         <a:rPr lang="es-ES" sz="1100" u="none" strike="noStrike">
                           <a:effectLst/>
                         </a:rPr>
-                        <a:t>Shark Reef</a:t>
+                        <a:t>Victoria</a:t>
                       </a:r>
                       <a:endParaRPr lang="es-ES" sz="1100" b="0" i="0" u="none" strike="noStrike">
                         <a:solidFill>
@@ -13241,7 +14546,7 @@
                       </a:endParaRPr>
                     </a:p>
                   </a:txBody>
-                  <a:tcPr marL="9525" marR="9525" marT="9525" marB="0" anchor="b"/>
+                  <a:tcPr marL="57150" marR="9525" marT="9525" marB="0" anchor="b"/>
                 </a:tc>
                 <a:tc>
                   <a:txBody>
@@ -13253,32 +14558,9 @@
                         <a:rPr lang="es-ES" sz="1100" u="none" strike="noStrike">
                           <a:effectLst/>
                         </a:rPr>
-                        <a:t>2</a:t>
+                        <a:t>44</a:t>
                       </a:r>
                       <a:endParaRPr lang="es-ES" sz="1100" b="0" i="0" u="none" strike="noStrike">
-                        <a:solidFill>
-                          <a:srgbClr val="000000"/>
-                        </a:solidFill>
-                        <a:effectLst/>
-                        <a:latin typeface="Calibri" panose="020F0502020204030204" pitchFamily="34" charset="0"/>
-                      </a:endParaRPr>
-                    </a:p>
-                  </a:txBody>
-                  <a:tcPr marL="9525" marR="9525" marT="9525" marB="0" anchor="b"/>
-                </a:tc>
-                <a:tc>
-                  <a:txBody>
-                    <a:bodyPr/>
-                    <a:lstStyle/>
-                    <a:p>
-                      <a:pPr algn="r" fontAlgn="b"/>
-                      <a:r>
-                        <a:rPr lang="es-ES" sz="1100" u="none" strike="noStrike" dirty="0">
-                          <a:effectLst/>
-                        </a:rPr>
-                        <a:t>18</a:t>
-                      </a:r>
-                      <a:endParaRPr lang="es-ES" sz="1100" b="0" i="0" u="none" strike="noStrike" dirty="0">
                         <a:solidFill>
                           <a:srgbClr val="000000"/>
                         </a:solidFill>
@@ -13291,11 +14573,11 @@
                 </a:tc>
                 <a:extLst>
                   <a:ext uri="{0D108BD9-81ED-4DB2-BD59-A6C34878D82A}">
-                    <a16:rowId xmlns:a16="http://schemas.microsoft.com/office/drawing/2014/main" val="4267037459"/>
+                    <a16:rowId xmlns:a16="http://schemas.microsoft.com/office/drawing/2014/main" val="2697490284"/>
                   </a:ext>
                 </a:extLst>
               </a:tr>
-              <a:tr h="277015">
+              <a:tr h="205301">
                 <a:tc>
                   <a:txBody>
                     <a:bodyPr/>
@@ -13306,7 +14588,7 @@
                         <a:rPr lang="es-ES" sz="1100" u="none" strike="noStrike">
                           <a:effectLst/>
                         </a:rPr>
-                        <a:t>Shark Bull</a:t>
+                        <a:t>Western Australia</a:t>
                       </a:r>
                       <a:endParaRPr lang="es-ES" sz="1100" b="0" i="0" u="none" strike="noStrike">
                         <a:solidFill>
@@ -13317,7 +14599,7 @@
                       </a:endParaRPr>
                     </a:p>
                   </a:txBody>
-                  <a:tcPr marL="9525" marR="9525" marT="9525" marB="0" anchor="b"/>
+                  <a:tcPr marL="57150" marR="9525" marT="9525" marB="0" anchor="b"/>
                 </a:tc>
                 <a:tc>
                   <a:txBody>
@@ -13329,32 +14611,9 @@
                         <a:rPr lang="es-ES" sz="1100" u="none" strike="noStrike">
                           <a:effectLst/>
                         </a:rPr>
-                        <a:t>7</a:t>
+                        <a:t>118</a:t>
                       </a:r>
                       <a:endParaRPr lang="es-ES" sz="1100" b="0" i="0" u="none" strike="noStrike">
-                        <a:solidFill>
-                          <a:srgbClr val="000000"/>
-                        </a:solidFill>
-                        <a:effectLst/>
-                        <a:latin typeface="Calibri" panose="020F0502020204030204" pitchFamily="34" charset="0"/>
-                      </a:endParaRPr>
-                    </a:p>
-                  </a:txBody>
-                  <a:tcPr marL="9525" marR="9525" marT="9525" marB="0" anchor="b"/>
-                </a:tc>
-                <a:tc>
-                  <a:txBody>
-                    <a:bodyPr/>
-                    <a:lstStyle/>
-                    <a:p>
-                      <a:pPr algn="r" fontAlgn="b"/>
-                      <a:r>
-                        <a:rPr lang="es-ES" sz="1100" u="none" strike="noStrike" dirty="0">
-                          <a:effectLst/>
-                        </a:rPr>
-                        <a:t>17</a:t>
-                      </a:r>
-                      <a:endParaRPr lang="es-ES" sz="1100" b="0" i="0" u="none" strike="noStrike" dirty="0">
                         <a:solidFill>
                           <a:srgbClr val="000000"/>
                         </a:solidFill>
@@ -13367,11 +14626,11 @@
                 </a:tc>
                 <a:extLst>
                   <a:ext uri="{0D108BD9-81ED-4DB2-BD59-A6C34878D82A}">
-                    <a16:rowId xmlns:a16="http://schemas.microsoft.com/office/drawing/2014/main" val="3913448646"/>
+                    <a16:rowId xmlns:a16="http://schemas.microsoft.com/office/drawing/2014/main" val="433858195"/>
                   </a:ext>
                 </a:extLst>
               </a:tr>
-              <a:tr h="539134">
+              <a:tr h="122475">
                 <a:tc>
                   <a:txBody>
                     <a:bodyPr/>
@@ -13379,12 +14638,18 @@
                     <a:p>
                       <a:pPr algn="l" fontAlgn="b"/>
                       <a:r>
-                        <a:rPr lang="es-ES" sz="1100" u="none" strike="noStrike">
-                          <a:effectLst/>
-                        </a:rPr>
-                        <a:t>Shark Spinner</a:t>
-                      </a:r>
-                      <a:endParaRPr lang="es-ES" sz="1100" b="0" i="0" u="none" strike="noStrike">
+                        <a:rPr lang="es-ES" sz="1100" b="1" u="none" strike="noStrike" dirty="0">
+                          <a:effectLst/>
+                        </a:rPr>
+                        <a:t>South </a:t>
+                      </a:r>
+                      <a:r>
+                        <a:rPr lang="es-ES" sz="1100" b="1" u="none" strike="noStrike" dirty="0" err="1">
+                          <a:effectLst/>
+                        </a:rPr>
+                        <a:t>Africa</a:t>
+                      </a:r>
+                      <a:endParaRPr lang="es-ES" sz="1100" b="1" i="0" u="none" strike="noStrike" dirty="0">
                         <a:solidFill>
                           <a:srgbClr val="000000"/>
                         </a:solidFill>
@@ -13400,60 +14665,14 @@
                     <a:bodyPr/>
                     <a:lstStyle/>
                     <a:p>
-                      <a:pPr marL="0" marR="0" lvl="0" indent="0" algn="r" defTabSz="457200" rtl="0" eaLnBrk="1" fontAlgn="b" latinLnBrk="0" hangingPunct="1">
-                        <a:lnSpc>
-                          <a:spcPct val="100000"/>
-                        </a:lnSpc>
-                        <a:spcBef>
-                          <a:spcPts val="0"/>
-                        </a:spcBef>
-                        <a:spcAft>
-                          <a:spcPts val="0"/>
-                        </a:spcAft>
-                        <a:buClrTx/>
-                        <a:buSzTx/>
-                        <a:buFontTx/>
-                        <a:buNone/>
-                        <a:tabLst/>
-                        <a:defRPr/>
-                      </a:pPr>
-                      <a:r>
-                        <a:rPr lang="es-ES" sz="1100" b="0" i="0" u="none" strike="noStrike" dirty="0">
-                          <a:solidFill>
-                            <a:srgbClr val="000000"/>
-                          </a:solidFill>
-                          <a:effectLst/>
-                          <a:latin typeface="Calibri" panose="020F0502020204030204" pitchFamily="34" charset="0"/>
-                        </a:rPr>
-                        <a:t>n/a</a:t>
-                      </a:r>
-                    </a:p>
-                    <a:p>
                       <a:pPr algn="r" fontAlgn="b"/>
-                      <a:endParaRPr lang="es-ES" sz="1100" b="0" i="0" u="none" strike="noStrike" dirty="0">
-                        <a:solidFill>
-                          <a:srgbClr val="000000"/>
-                        </a:solidFill>
-                        <a:effectLst/>
-                        <a:latin typeface="Calibri" panose="020F0502020204030204" pitchFamily="34" charset="0"/>
-                      </a:endParaRPr>
-                    </a:p>
-                  </a:txBody>
-                  <a:tcPr marL="9525" marR="9525" marT="9525" marB="0" anchor="b"/>
-                </a:tc>
-                <a:tc>
-                  <a:txBody>
-                    <a:bodyPr/>
-                    <a:lstStyle/>
-                    <a:p>
-                      <a:pPr algn="r" fontAlgn="b"/>
-                      <a:r>
-                        <a:rPr lang="es-ES" sz="1100" u="none" strike="noStrike">
-                          <a:effectLst/>
-                        </a:rPr>
-                        <a:t>14</a:t>
-                      </a:r>
-                      <a:endParaRPr lang="es-ES" sz="1100" b="0" i="0" u="none" strike="noStrike">
+                      <a:r>
+                        <a:rPr lang="es-ES" sz="1100" b="1" u="none" strike="noStrike" dirty="0">
+                          <a:effectLst/>
+                        </a:rPr>
+                        <a:t>361</a:t>
+                      </a:r>
+                      <a:endParaRPr lang="es-ES" sz="1100" b="1" i="0" u="none" strike="noStrike" dirty="0">
                         <a:solidFill>
                           <a:srgbClr val="000000"/>
                         </a:solidFill>
@@ -13466,11 +14685,11 @@
                 </a:tc>
                 <a:extLst>
                   <a:ext uri="{0D108BD9-81ED-4DB2-BD59-A6C34878D82A}">
-                    <a16:rowId xmlns:a16="http://schemas.microsoft.com/office/drawing/2014/main" val="2339719829"/>
+                    <a16:rowId xmlns:a16="http://schemas.microsoft.com/office/drawing/2014/main" val="327584398"/>
                   </a:ext>
                 </a:extLst>
               </a:tr>
-              <a:tr h="277015">
+              <a:tr h="205301">
                 <a:tc>
                   <a:txBody>
                     <a:bodyPr/>
@@ -13481,7 +14700,7 @@
                         <a:rPr lang="es-ES" sz="1100" u="none" strike="noStrike">
                           <a:effectLst/>
                         </a:rPr>
-                        <a:t>Shark Tiger</a:t>
+                        <a:t>Eastern Cape Province</a:t>
                       </a:r>
                       <a:endParaRPr lang="es-ES" sz="1100" b="0" i="0" u="none" strike="noStrike">
                         <a:solidFill>
@@ -13492,7 +14711,7 @@
                       </a:endParaRPr>
                     </a:p>
                   </a:txBody>
-                  <a:tcPr marL="9525" marR="9525" marT="9525" marB="0" anchor="b"/>
+                  <a:tcPr marL="57150" marR="9525" marT="9525" marB="0" anchor="b"/>
                 </a:tc>
                 <a:tc>
                   <a:txBody>
@@ -13504,32 +14723,9 @@
                         <a:rPr lang="es-ES" sz="1100" u="none" strike="noStrike">
                           <a:effectLst/>
                         </a:rPr>
-                        <a:t>2</a:t>
+                        <a:t>119</a:t>
                       </a:r>
                       <a:endParaRPr lang="es-ES" sz="1100" b="0" i="0" u="none" strike="noStrike">
-                        <a:solidFill>
-                          <a:srgbClr val="000000"/>
-                        </a:solidFill>
-                        <a:effectLst/>
-                        <a:latin typeface="Calibri" panose="020F0502020204030204" pitchFamily="34" charset="0"/>
-                      </a:endParaRPr>
-                    </a:p>
-                  </a:txBody>
-                  <a:tcPr marL="9525" marR="9525" marT="9525" marB="0" anchor="b"/>
-                </a:tc>
-                <a:tc>
-                  <a:txBody>
-                    <a:bodyPr/>
-                    <a:lstStyle/>
-                    <a:p>
-                      <a:pPr algn="r" fontAlgn="b"/>
-                      <a:r>
-                        <a:rPr lang="es-ES" sz="1100" u="none" strike="noStrike" dirty="0">
-                          <a:effectLst/>
-                        </a:rPr>
-                        <a:t>13</a:t>
-                      </a:r>
-                      <a:endParaRPr lang="es-ES" sz="1100" b="0" i="0" u="none" strike="noStrike" dirty="0">
                         <a:solidFill>
                           <a:srgbClr val="000000"/>
                         </a:solidFill>
@@ -13542,11 +14738,11 @@
                 </a:tc>
                 <a:extLst>
                   <a:ext uri="{0D108BD9-81ED-4DB2-BD59-A6C34878D82A}">
-                    <a16:rowId xmlns:a16="http://schemas.microsoft.com/office/drawing/2014/main" val="888998938"/>
+                    <a16:rowId xmlns:a16="http://schemas.microsoft.com/office/drawing/2014/main" val="249395958"/>
                   </a:ext>
                 </a:extLst>
               </a:tr>
-              <a:tr h="410105">
+              <a:tr h="205301">
                 <a:tc>
                   <a:txBody>
                     <a:bodyPr/>
@@ -13557,7 +14753,7 @@
                         <a:rPr lang="es-ES" sz="1100" u="none" strike="noStrike">
                           <a:effectLst/>
                         </a:rPr>
-                        <a:t>Shark Hammerhead</a:t>
+                        <a:t>KwaZulu-Natal</a:t>
                       </a:r>
                       <a:endParaRPr lang="es-ES" sz="1100" b="0" i="0" u="none" strike="noStrike">
                         <a:solidFill>
@@ -13568,7 +14764,7 @@
                       </a:endParaRPr>
                     </a:p>
                   </a:txBody>
-                  <a:tcPr marL="9525" marR="9525" marT="9525" marB="0" anchor="b"/>
+                  <a:tcPr marL="57150" marR="9525" marT="9525" marB="0" anchor="b"/>
                 </a:tc>
                 <a:tc>
                   <a:txBody>
@@ -13580,30 +14776,7 @@
                         <a:rPr lang="es-ES" sz="1100" u="none" strike="noStrike">
                           <a:effectLst/>
                         </a:rPr>
-                        <a:t>4</a:t>
-                      </a:r>
-                      <a:endParaRPr lang="es-ES" sz="1100" b="0" i="0" u="none" strike="noStrike">
-                        <a:solidFill>
-                          <a:srgbClr val="000000"/>
-                        </a:solidFill>
-                        <a:effectLst/>
-                        <a:latin typeface="Calibri" panose="020F0502020204030204" pitchFamily="34" charset="0"/>
-                      </a:endParaRPr>
-                    </a:p>
-                  </a:txBody>
-                  <a:tcPr marL="9525" marR="9525" marT="9525" marB="0" anchor="b"/>
-                </a:tc>
-                <a:tc>
-                  <a:txBody>
-                    <a:bodyPr/>
-                    <a:lstStyle/>
-                    <a:p>
-                      <a:pPr algn="r" fontAlgn="b"/>
-                      <a:r>
-                        <a:rPr lang="es-ES" sz="1100" u="none" strike="noStrike">
-                          <a:effectLst/>
-                        </a:rPr>
-                        <a:t>10</a:t>
+                        <a:t>98</a:t>
                       </a:r>
                       <a:endParaRPr lang="es-ES" sz="1100" b="0" i="0" u="none" strike="noStrike">
                         <a:solidFill>
@@ -13618,11 +14791,11 @@
                 </a:tc>
                 <a:extLst>
                   <a:ext uri="{0D108BD9-81ED-4DB2-BD59-A6C34878D82A}">
-                    <a16:rowId xmlns:a16="http://schemas.microsoft.com/office/drawing/2014/main" val="4023063533"/>
+                    <a16:rowId xmlns:a16="http://schemas.microsoft.com/office/drawing/2014/main" val="1470856022"/>
                   </a:ext>
                 </a:extLst>
               </a:tr>
-              <a:tr h="277015">
+              <a:tr h="205301">
                 <a:tc>
                   <a:txBody>
                     <a:bodyPr/>
@@ -13633,7 +14806,7 @@
                         <a:rPr lang="es-ES" sz="1100" u="none" strike="noStrike">
                           <a:effectLst/>
                         </a:rPr>
-                        <a:t>Shark Dusky</a:t>
+                        <a:t>Western Cape Province</a:t>
                       </a:r>
                       <a:endParaRPr lang="es-ES" sz="1100" b="0" i="0" u="none" strike="noStrike">
                         <a:solidFill>
@@ -13644,7 +14817,7 @@
                       </a:endParaRPr>
                     </a:p>
                   </a:txBody>
-                  <a:tcPr marL="9525" marR="9525" marT="9525" marB="0" anchor="b"/>
+                  <a:tcPr marL="57150" marR="9525" marT="9525" marB="0" anchor="b"/>
                 </a:tc>
                 <a:tc>
                   <a:txBody>
@@ -13653,30 +14826,10 @@
                     <a:p>
                       <a:pPr algn="r" fontAlgn="b"/>
                       <a:r>
-                        <a:rPr lang="es-ES" sz="1100" b="0" i="0" u="none" strike="noStrike" dirty="0">
-                          <a:solidFill>
-                            <a:srgbClr val="000000"/>
-                          </a:solidFill>
-                          <a:effectLst/>
-                          <a:latin typeface="Calibri" panose="020F0502020204030204" pitchFamily="34" charset="0"/>
-                        </a:rPr>
-                        <a:t>n/a</a:t>
-                      </a:r>
-                    </a:p>
-                  </a:txBody>
-                  <a:tcPr marL="9525" marR="9525" marT="9525" marB="0" anchor="b"/>
-                </a:tc>
-                <a:tc>
-                  <a:txBody>
-                    <a:bodyPr/>
-                    <a:lstStyle/>
-                    <a:p>
-                      <a:pPr algn="r" fontAlgn="b"/>
-                      <a:r>
                         <a:rPr lang="es-ES" sz="1100" u="none" strike="noStrike">
                           <a:effectLst/>
                         </a:rPr>
-                        <a:t>8</a:t>
+                        <a:t>144</a:t>
                       </a:r>
                       <a:endParaRPr lang="es-ES" sz="1100" b="0" i="0" u="none" strike="noStrike">
                         <a:solidFill>
@@ -13691,11 +14844,11 @@
                 </a:tc>
                 <a:extLst>
                   <a:ext uri="{0D108BD9-81ED-4DB2-BD59-A6C34878D82A}">
-                    <a16:rowId xmlns:a16="http://schemas.microsoft.com/office/drawing/2014/main" val="1338683837"/>
+                    <a16:rowId xmlns:a16="http://schemas.microsoft.com/office/drawing/2014/main" val="175100857"/>
                   </a:ext>
                 </a:extLst>
               </a:tr>
-              <a:tr h="277015">
+              <a:tr h="205301">
                 <a:tc>
                   <a:txBody>
                     <a:bodyPr/>
@@ -13703,12 +14856,12 @@
                     <a:p>
                       <a:pPr algn="l" fontAlgn="b"/>
                       <a:r>
-                        <a:rPr lang="es-ES" sz="1100" u="none" strike="noStrike">
-                          <a:effectLst/>
-                        </a:rPr>
-                        <a:t>Shark Sand</a:t>
-                      </a:r>
-                      <a:endParaRPr lang="es-ES" sz="1100" b="0" i="0" u="none" strike="noStrike">
+                        <a:rPr lang="es-ES" sz="1100" b="1" u="none" strike="noStrike" dirty="0">
+                          <a:effectLst/>
+                        </a:rPr>
+                        <a:t>USA</a:t>
+                      </a:r>
+                      <a:endParaRPr lang="es-ES" sz="1100" b="1" i="0" u="none" strike="noStrike" dirty="0">
                         <a:solidFill>
                           <a:srgbClr val="000000"/>
                         </a:solidFill>
@@ -13726,35 +14879,12 @@
                     <a:p>
                       <a:pPr algn="r" fontAlgn="b"/>
                       <a:r>
-                        <a:rPr lang="es-ES" sz="1100" u="none" strike="noStrike">
-                          <a:effectLst/>
-                        </a:rPr>
-                        <a:t>1</a:t>
-                      </a:r>
-                      <a:endParaRPr lang="es-ES" sz="1100" b="0" i="0" u="none" strike="noStrike">
-                        <a:solidFill>
-                          <a:srgbClr val="000000"/>
-                        </a:solidFill>
-                        <a:effectLst/>
-                        <a:latin typeface="Calibri" panose="020F0502020204030204" pitchFamily="34" charset="0"/>
-                      </a:endParaRPr>
-                    </a:p>
-                  </a:txBody>
-                  <a:tcPr marL="9525" marR="9525" marT="9525" marB="0" anchor="b"/>
-                </a:tc>
-                <a:tc>
-                  <a:txBody>
-                    <a:bodyPr/>
-                    <a:lstStyle/>
-                    <a:p>
-                      <a:pPr algn="r" fontAlgn="b"/>
-                      <a:r>
-                        <a:rPr lang="es-ES" sz="1100" u="none" strike="noStrike" dirty="0">
-                          <a:effectLst/>
-                        </a:rPr>
-                        <a:t>7</a:t>
-                      </a:r>
-                      <a:endParaRPr lang="es-ES" sz="1100" b="0" i="0" u="none" strike="noStrike" dirty="0">
+                        <a:rPr lang="es-ES" sz="1100" b="1" u="none" strike="noStrike" dirty="0">
+                          <a:effectLst/>
+                        </a:rPr>
+                        <a:t>1405</a:t>
+                      </a:r>
+                      <a:endParaRPr lang="es-ES" sz="1100" b="1" i="0" u="none" strike="noStrike" dirty="0">
                         <a:solidFill>
                           <a:srgbClr val="000000"/>
                         </a:solidFill>
@@ -13767,11 +14897,11 @@
                 </a:tc>
                 <a:extLst>
                   <a:ext uri="{0D108BD9-81ED-4DB2-BD59-A6C34878D82A}">
-                    <a16:rowId xmlns:a16="http://schemas.microsoft.com/office/drawing/2014/main" val="48634823"/>
+                    <a16:rowId xmlns:a16="http://schemas.microsoft.com/office/drawing/2014/main" val="1824839475"/>
                   </a:ext>
                 </a:extLst>
               </a:tr>
-              <a:tr h="539134">
+              <a:tr h="205301">
                 <a:tc>
                   <a:txBody>
                     <a:bodyPr/>
@@ -13782,7 +14912,7 @@
                         <a:rPr lang="es-ES" sz="1100" u="none" strike="noStrike">
                           <a:effectLst/>
                         </a:rPr>
-                        <a:t>Shark Bronze</a:t>
+                        <a:t>California</a:t>
                       </a:r>
                       <a:endParaRPr lang="es-ES" sz="1100" b="0" i="0" u="none" strike="noStrike">
                         <a:solidFill>
@@ -13793,69 +14923,7 @@
                       </a:endParaRPr>
                     </a:p>
                   </a:txBody>
-                  <a:tcPr marL="9525" marR="9525" marT="9525" marB="0" anchor="b"/>
-                </a:tc>
-                <a:tc>
-                  <a:txBody>
-                    <a:bodyPr/>
-                    <a:lstStyle/>
-                    <a:p>
-                      <a:pPr marL="0" marR="0" lvl="0" indent="0" algn="r" defTabSz="457200" rtl="0" eaLnBrk="1" fontAlgn="b" latinLnBrk="0" hangingPunct="1">
-                        <a:lnSpc>
-                          <a:spcPct val="100000"/>
-                        </a:lnSpc>
-                        <a:spcBef>
-                          <a:spcPts val="0"/>
-                        </a:spcBef>
-                        <a:spcAft>
-                          <a:spcPts val="0"/>
-                        </a:spcAft>
-                        <a:buClrTx/>
-                        <a:buSzTx/>
-                        <a:buFontTx/>
-                        <a:buNone/>
-                        <a:tabLst/>
-                        <a:defRPr/>
-                      </a:pPr>
-                      <a:r>
-                        <a:rPr lang="es-ES" sz="1100" b="0" i="0" u="none" strike="noStrike" dirty="0">
-                          <a:solidFill>
-                            <a:srgbClr val="000000"/>
-                          </a:solidFill>
-                          <a:effectLst/>
-                          <a:latin typeface="Calibri" panose="020F0502020204030204" pitchFamily="34" charset="0"/>
-                        </a:rPr>
-                        <a:t>n/a</a:t>
-                      </a:r>
-                    </a:p>
-                    <a:p>
-                      <a:pPr marL="0" marR="0" lvl="0" indent="0" algn="r" defTabSz="457200" rtl="0" eaLnBrk="1" fontAlgn="b" latinLnBrk="0" hangingPunct="1">
-                        <a:lnSpc>
-                          <a:spcPct val="100000"/>
-                        </a:lnSpc>
-                        <a:spcBef>
-                          <a:spcPts val="0"/>
-                        </a:spcBef>
-                        <a:spcAft>
-                          <a:spcPts val="0"/>
-                        </a:spcAft>
-                        <a:buClrTx/>
-                        <a:buSzTx/>
-                        <a:buFontTx/>
-                        <a:buNone/>
-                        <a:tabLst/>
-                        <a:defRPr/>
-                      </a:pPr>
-                      <a:endParaRPr lang="es-ES" sz="1100" b="0" i="0" u="none" strike="noStrike" dirty="0">
-                        <a:solidFill>
-                          <a:srgbClr val="000000"/>
-                        </a:solidFill>
-                        <a:effectLst/>
-                        <a:latin typeface="Calibri" panose="020F0502020204030204" pitchFamily="34" charset="0"/>
-                      </a:endParaRPr>
-                    </a:p>
-                  </a:txBody>
-                  <a:tcPr marL="9525" marR="9525" marT="9525" marB="0" anchor="b"/>
+                  <a:tcPr marL="57150" marR="9525" marT="9525" marB="0" anchor="b"/>
                 </a:tc>
                 <a:tc>
                   <a:txBody>
@@ -13864,12 +14932,12 @@
                     <a:p>
                       <a:pPr algn="r" fontAlgn="b"/>
                       <a:r>
-                        <a:rPr lang="es-ES" sz="1100" u="none" strike="noStrike" dirty="0">
-                          <a:effectLst/>
-                        </a:rPr>
-                        <a:t>4</a:t>
-                      </a:r>
-                      <a:endParaRPr lang="es-ES" sz="1100" b="0" i="0" u="none" strike="noStrike" dirty="0">
+                        <a:rPr lang="es-ES" sz="1100" u="none" strike="noStrike">
+                          <a:effectLst/>
+                        </a:rPr>
+                        <a:t>201</a:t>
+                      </a:r>
+                      <a:endParaRPr lang="es-ES" sz="1100" b="0" i="0" u="none" strike="noStrike">
                         <a:solidFill>
                           <a:srgbClr val="000000"/>
                         </a:solidFill>
@@ -13882,11 +14950,11 @@
                 </a:tc>
                 <a:extLst>
                   <a:ext uri="{0D108BD9-81ED-4DB2-BD59-A6C34878D82A}">
-                    <a16:rowId xmlns:a16="http://schemas.microsoft.com/office/drawing/2014/main" val="3130520813"/>
+                    <a16:rowId xmlns:a16="http://schemas.microsoft.com/office/drawing/2014/main" val="922188714"/>
                   </a:ext>
                 </a:extLst>
               </a:tr>
-              <a:tr h="277015">
+              <a:tr h="205301">
                 <a:tc>
                   <a:txBody>
                     <a:bodyPr/>
@@ -13894,21 +14962,21 @@
                     <a:p>
                       <a:pPr algn="l" fontAlgn="b"/>
                       <a:r>
-                        <a:rPr lang="es-ES" sz="1100" b="1" u="none" strike="noStrike" dirty="0">
-                          <a:effectLst/>
-                        </a:rPr>
-                        <a:t>Total general</a:t>
-                      </a:r>
-                      <a:endParaRPr lang="es-ES" sz="1100" b="1" i="0" u="none" strike="noStrike" dirty="0">
-                        <a:solidFill>
-                          <a:srgbClr val="000000"/>
-                        </a:solidFill>
-                        <a:effectLst/>
-                        <a:latin typeface="Calibri" panose="020F0502020204030204" pitchFamily="34" charset="0"/>
-                      </a:endParaRPr>
-                    </a:p>
-                  </a:txBody>
-                  <a:tcPr marL="9525" marR="9525" marT="9525" marB="0" anchor="b"/>
+                        <a:rPr lang="es-ES" sz="1100" u="none" strike="noStrike">
+                          <a:effectLst/>
+                        </a:rPr>
+                        <a:t>Florida</a:t>
+                      </a:r>
+                      <a:endParaRPr lang="es-ES" sz="1100" b="0" i="0" u="none" strike="noStrike">
+                        <a:solidFill>
+                          <a:srgbClr val="000000"/>
+                        </a:solidFill>
+                        <a:effectLst/>
+                        <a:latin typeface="Calibri" panose="020F0502020204030204" pitchFamily="34" charset="0"/>
+                      </a:endParaRPr>
+                    </a:p>
+                  </a:txBody>
+                  <a:tcPr marL="57150" marR="9525" marT="9525" marB="0" anchor="b"/>
                 </a:tc>
                 <a:tc>
                   <a:txBody>
@@ -13917,35 +14985,12 @@
                     <a:p>
                       <a:pPr algn="r" fontAlgn="b"/>
                       <a:r>
-                        <a:rPr lang="es-ES" sz="1100" b="1" u="none" strike="noStrike" dirty="0">
-                          <a:effectLst/>
-                        </a:rPr>
-                        <a:t>45</a:t>
-                      </a:r>
-                      <a:endParaRPr lang="es-ES" sz="1100" b="1" i="0" u="none" strike="noStrike" dirty="0">
-                        <a:solidFill>
-                          <a:srgbClr val="000000"/>
-                        </a:solidFill>
-                        <a:effectLst/>
-                        <a:latin typeface="Calibri" panose="020F0502020204030204" pitchFamily="34" charset="0"/>
-                      </a:endParaRPr>
-                    </a:p>
-                  </a:txBody>
-                  <a:tcPr marL="9525" marR="9525" marT="9525" marB="0" anchor="b"/>
-                </a:tc>
-                <a:tc>
-                  <a:txBody>
-                    <a:bodyPr/>
-                    <a:lstStyle/>
-                    <a:p>
-                      <a:pPr algn="r" fontAlgn="b"/>
-                      <a:r>
-                        <a:rPr lang="es-ES" sz="1100" b="1" u="none" strike="noStrike" dirty="0">
-                          <a:effectLst/>
-                        </a:rPr>
-                        <a:t>289</a:t>
-                      </a:r>
-                      <a:endParaRPr lang="es-ES" sz="1100" b="1" i="0" u="none" strike="noStrike" dirty="0">
+                        <a:rPr lang="es-ES" sz="1100" u="none" strike="noStrike">
+                          <a:effectLst/>
+                        </a:rPr>
+                        <a:t>846</a:t>
+                      </a:r>
+                      <a:endParaRPr lang="es-ES" sz="1100" b="0" i="0" u="none" strike="noStrike">
                         <a:solidFill>
                           <a:srgbClr val="000000"/>
                         </a:solidFill>
@@ -13958,7 +15003,166 @@
                 </a:tc>
                 <a:extLst>
                   <a:ext uri="{0D108BD9-81ED-4DB2-BD59-A6C34878D82A}">
-                    <a16:rowId xmlns:a16="http://schemas.microsoft.com/office/drawing/2014/main" val="885906786"/>
+                    <a16:rowId xmlns:a16="http://schemas.microsoft.com/office/drawing/2014/main" val="2503850271"/>
+                  </a:ext>
+                </a:extLst>
+              </a:tr>
+              <a:tr h="205301">
+                <a:tc>
+                  <a:txBody>
+                    <a:bodyPr/>
+                    <a:lstStyle/>
+                    <a:p>
+                      <a:pPr algn="l" fontAlgn="b"/>
+                      <a:r>
+                        <a:rPr lang="es-ES" sz="1100" u="none" strike="noStrike">
+                          <a:effectLst/>
+                        </a:rPr>
+                        <a:t>Hawaii</a:t>
+                      </a:r>
+                      <a:endParaRPr lang="es-ES" sz="1100" b="0" i="0" u="none" strike="noStrike">
+                        <a:solidFill>
+                          <a:srgbClr val="000000"/>
+                        </a:solidFill>
+                        <a:effectLst/>
+                        <a:latin typeface="Calibri" panose="020F0502020204030204" pitchFamily="34" charset="0"/>
+                      </a:endParaRPr>
+                    </a:p>
+                  </a:txBody>
+                  <a:tcPr marL="57150" marR="9525" marT="9525" marB="0" anchor="b"/>
+                </a:tc>
+                <a:tc>
+                  <a:txBody>
+                    <a:bodyPr/>
+                    <a:lstStyle/>
+                    <a:p>
+                      <a:pPr algn="r" fontAlgn="b"/>
+                      <a:r>
+                        <a:rPr lang="es-ES" sz="1100" u="none" strike="noStrike">
+                          <a:effectLst/>
+                        </a:rPr>
+                        <a:t>191</a:t>
+                      </a:r>
+                      <a:endParaRPr lang="es-ES" sz="1100" b="0" i="0" u="none" strike="noStrike">
+                        <a:solidFill>
+                          <a:srgbClr val="000000"/>
+                        </a:solidFill>
+                        <a:effectLst/>
+                        <a:latin typeface="Calibri" panose="020F0502020204030204" pitchFamily="34" charset="0"/>
+                      </a:endParaRPr>
+                    </a:p>
+                  </a:txBody>
+                  <a:tcPr marL="9525" marR="9525" marT="9525" marB="0" anchor="b"/>
+                </a:tc>
+                <a:extLst>
+                  <a:ext uri="{0D108BD9-81ED-4DB2-BD59-A6C34878D82A}">
+                    <a16:rowId xmlns:a16="http://schemas.microsoft.com/office/drawing/2014/main" val="1534315862"/>
+                  </a:ext>
+                </a:extLst>
+              </a:tr>
+              <a:tr h="205301">
+                <a:tc>
+                  <a:txBody>
+                    <a:bodyPr/>
+                    <a:lstStyle/>
+                    <a:p>
+                      <a:pPr algn="l" fontAlgn="b"/>
+                      <a:r>
+                        <a:rPr lang="es-ES" sz="1100" u="none" strike="noStrike">
+                          <a:effectLst/>
+                        </a:rPr>
+                        <a:t>North Carolina</a:t>
+                      </a:r>
+                      <a:endParaRPr lang="es-ES" sz="1100" b="0" i="0" u="none" strike="noStrike">
+                        <a:solidFill>
+                          <a:srgbClr val="000000"/>
+                        </a:solidFill>
+                        <a:effectLst/>
+                        <a:latin typeface="Calibri" panose="020F0502020204030204" pitchFamily="34" charset="0"/>
+                      </a:endParaRPr>
+                    </a:p>
+                  </a:txBody>
+                  <a:tcPr marL="57150" marR="9525" marT="9525" marB="0" anchor="b"/>
+                </a:tc>
+                <a:tc>
+                  <a:txBody>
+                    <a:bodyPr/>
+                    <a:lstStyle/>
+                    <a:p>
+                      <a:pPr algn="r" fontAlgn="b"/>
+                      <a:r>
+                        <a:rPr lang="es-ES" sz="1100" u="none" strike="noStrike">
+                          <a:effectLst/>
+                        </a:rPr>
+                        <a:t>69</a:t>
+                      </a:r>
+                      <a:endParaRPr lang="es-ES" sz="1100" b="0" i="0" u="none" strike="noStrike">
+                        <a:solidFill>
+                          <a:srgbClr val="000000"/>
+                        </a:solidFill>
+                        <a:effectLst/>
+                        <a:latin typeface="Calibri" panose="020F0502020204030204" pitchFamily="34" charset="0"/>
+                      </a:endParaRPr>
+                    </a:p>
+                  </a:txBody>
+                  <a:tcPr marL="9525" marR="9525" marT="9525" marB="0" anchor="b"/>
+                </a:tc>
+                <a:extLst>
+                  <a:ext uri="{0D108BD9-81ED-4DB2-BD59-A6C34878D82A}">
+                    <a16:rowId xmlns:a16="http://schemas.microsoft.com/office/drawing/2014/main" val="1777632969"/>
+                  </a:ext>
+                </a:extLst>
+              </a:tr>
+              <a:tr h="205301">
+                <a:tc>
+                  <a:txBody>
+                    <a:bodyPr/>
+                    <a:lstStyle/>
+                    <a:p>
+                      <a:pPr algn="l" fontAlgn="b"/>
+                      <a:r>
+                        <a:rPr lang="es-ES" sz="1100" u="none" strike="noStrike">
+                          <a:effectLst/>
+                        </a:rPr>
+                        <a:t>South Carolina</a:t>
+                      </a:r>
+                      <a:endParaRPr lang="es-ES" sz="1100" b="0" i="0" u="none" strike="noStrike">
+                        <a:solidFill>
+                          <a:srgbClr val="000000"/>
+                        </a:solidFill>
+                        <a:effectLst/>
+                        <a:latin typeface="Calibri" panose="020F0502020204030204" pitchFamily="34" charset="0"/>
+                      </a:endParaRPr>
+                    </a:p>
+                  </a:txBody>
+                  <a:tcPr marL="57150" marR="9525" marT="9525" marB="0" anchor="b"/>
+                </a:tc>
+                <a:tc>
+                  <a:txBody>
+                    <a:bodyPr/>
+                    <a:lstStyle/>
+                    <a:p>
+                      <a:pPr algn="r" fontAlgn="b"/>
+                      <a:r>
+                        <a:rPr lang="es-ES" sz="1100" u="none" strike="noStrike" dirty="0">
+                          <a:effectLst/>
+                        </a:rPr>
+                        <a:t>98</a:t>
+                      </a:r>
+                      <a:endParaRPr lang="es-ES" sz="1100" b="0" i="0" u="none" strike="noStrike" dirty="0">
+                        <a:solidFill>
+                          <a:srgbClr val="000000"/>
+                        </a:solidFill>
+                        <a:effectLst/>
+                        <a:latin typeface="Calibri" panose="020F0502020204030204" pitchFamily="34" charset="0"/>
+                      </a:endParaRPr>
+                    </a:p>
+                  </a:txBody>
+                  <a:tcPr marL="9525" marR="9525" marT="9525" marB="0" anchor="b"/>
+                </a:tc>
+                <a:extLst>
+                  <a:ext uri="{0D108BD9-81ED-4DB2-BD59-A6C34878D82A}">
+                    <a16:rowId xmlns:a16="http://schemas.microsoft.com/office/drawing/2014/main" val="3972640134"/>
                   </a:ext>
                 </a:extLst>
               </a:tr>
@@ -13969,7 +15173,7 @@
     </p:spTree>
     <p:extLst>
       <p:ext uri="{BB962C8B-B14F-4D97-AF65-F5344CB8AC3E}">
-        <p14:creationId xmlns:p14="http://schemas.microsoft.com/office/powerpoint/2010/main" val="3836140222"/>
+        <p14:creationId xmlns:p14="http://schemas.microsoft.com/office/powerpoint/2010/main" val="3037748054"/>
       </p:ext>
     </p:extLst>
   </p:cSld>
@@ -14001,7 +15205,7 @@
           <p:cNvPr id="2" name="Título 1">
             <a:extLst>
               <a:ext uri="{FF2B5EF4-FFF2-40B4-BE49-F238E27FC236}">
-                <a16:creationId xmlns:a16="http://schemas.microsoft.com/office/drawing/2014/main" id="{164DEEA9-A2BE-4209-7BD9-A0F218F66009}"/>
+                <a16:creationId xmlns:a16="http://schemas.microsoft.com/office/drawing/2014/main" id="{0A129469-E809-0312-C2D2-045F26C812ED}"/>
               </a:ext>
             </a:extLst>
           </p:cNvPr>
@@ -14019,17 +15223,17 @@
           <a:p>
             <a:r>
               <a:rPr lang="es-ES" dirty="0"/>
-              <a:t>Gracias por la atención</a:t>
+              <a:t>Las especies solo mordedoras</a:t>
             </a:r>
           </a:p>
         </p:txBody>
       </p:sp>
       <p:sp>
         <p:nvSpPr>
-          <p:cNvPr id="4" name="Marcador de contenido 3">
+          <p:cNvPr id="6" name="Marcador de contenido 5">
             <a:extLst>
               <a:ext uri="{FF2B5EF4-FFF2-40B4-BE49-F238E27FC236}">
-                <a16:creationId xmlns:a16="http://schemas.microsoft.com/office/drawing/2014/main" id="{25A42EE3-D0FB-6905-637A-BD01ED8CABDB}"/>
+                <a16:creationId xmlns:a16="http://schemas.microsoft.com/office/drawing/2014/main" id="{2107BFDB-8693-0BDC-04B5-09845F7B7470}"/>
               </a:ext>
             </a:extLst>
           </p:cNvPr>
@@ -14037,12 +15241,12 @@
             <a:spLocks noGrp="1"/>
           </p:cNvSpPr>
           <p:nvPr>
-            <p:ph sz="half" idx="2"/>
+            <p:ph sz="quarter" idx="4"/>
           </p:nvPr>
         </p:nvSpPr>
         <p:spPr>
           <a:xfrm>
-            <a:off x="1421364" y="1853248"/>
+            <a:off x="7447725" y="2289313"/>
             <a:ext cx="4396339" cy="3741738"/>
           </a:xfrm>
         </p:spPr>
@@ -14052,35 +15256,769 @@
           <a:p>
             <a:r>
               <a:rPr lang="es-ES" dirty="0"/>
-              <a:t>Procuren ir a Australia en avión y con calcetines altos.</a:t>
+              <a:t>Que hacían nuestros queridos americanos para ser atacados</a:t>
             </a:r>
+          </a:p>
+          <a:p>
+            <a:endParaRPr lang="es-ES" dirty="0"/>
           </a:p>
           <a:p>
             <a:r>
               <a:rPr lang="es-ES" dirty="0"/>
-              <a:t>Si vistan USA dejen a un lado los sándwiches de cacahuete.</a:t>
+              <a:t>Surfear y nadar son las actividades mas peligrosas. Pero no por ello dejaremos de hacerlo.</a:t>
             </a:r>
           </a:p>
           <a:p>
             <a:r>
               <a:rPr lang="es-ES" dirty="0"/>
-              <a:t>Llevar </a:t>
-            </a:r>
-            <a:r>
-              <a:rPr lang="es-ES" dirty="0" err="1"/>
-              <a:t>Crocs</a:t>
-            </a:r>
-            <a:r>
-              <a:rPr lang="es-ES" dirty="0"/>
-              <a:t> Rosas alertan de que usted es el peligro. Así que lleven un par puestas siempre.</a:t>
+              <a:t>Los datos se extrapolan al resto de países.</a:t>
             </a:r>
           </a:p>
         </p:txBody>
       </p:sp>
+      <p:graphicFrame>
+        <p:nvGraphicFramePr>
+          <p:cNvPr id="3" name="Tabla 2">
+            <a:extLst>
+              <a:ext uri="{FF2B5EF4-FFF2-40B4-BE49-F238E27FC236}">
+                <a16:creationId xmlns:a16="http://schemas.microsoft.com/office/drawing/2014/main" id="{015B6F41-A82B-4327-2039-02AFEA9182D5}"/>
+              </a:ext>
+            </a:extLst>
+          </p:cNvPr>
+          <p:cNvGraphicFramePr>
+            <a:graphicFrameLocks noGrp="1"/>
+          </p:cNvGraphicFramePr>
+          <p:nvPr>
+            <p:extLst>
+              <p:ext uri="{D42A27DB-BD31-4B8C-83A1-F6EECF244321}">
+                <p14:modId xmlns:p14="http://schemas.microsoft.com/office/powerpoint/2010/main" val="2411376124"/>
+              </p:ext>
+            </p:extLst>
+          </p:nvPr>
+        </p:nvGraphicFramePr>
+        <p:xfrm>
+          <a:off x="1188486" y="2318902"/>
+          <a:ext cx="4350466" cy="3016573"/>
+        </p:xfrm>
+        <a:graphic>
+          <a:graphicData uri="http://schemas.openxmlformats.org/drawingml/2006/table">
+            <a:tbl>
+              <a:tblPr>
+                <a:tableStyleId>{5C22544A-7EE6-4342-B048-85BDC9FD1C3A}</a:tableStyleId>
+              </a:tblPr>
+              <a:tblGrid>
+                <a:gridCol w="2553197">
+                  <a:extLst>
+                    <a:ext uri="{9D8B030D-6E8A-4147-A177-3AD203B41FA5}">
+                      <a16:colId xmlns:a16="http://schemas.microsoft.com/office/drawing/2014/main" val="127540376"/>
+                    </a:ext>
+                  </a:extLst>
+                </a:gridCol>
+                <a:gridCol w="1797269">
+                  <a:extLst>
+                    <a:ext uri="{9D8B030D-6E8A-4147-A177-3AD203B41FA5}">
+                      <a16:colId xmlns:a16="http://schemas.microsoft.com/office/drawing/2014/main" val="1559596693"/>
+                    </a:ext>
+                  </a:extLst>
+                </a:gridCol>
+              </a:tblGrid>
+              <a:tr h="395365">
+                <a:tc>
+                  <a:txBody>
+                    <a:bodyPr/>
+                    <a:lstStyle/>
+                    <a:p>
+                      <a:pPr algn="l" fontAlgn="b"/>
+                      <a:r>
+                        <a:rPr lang="es-ES" sz="1100" b="1" u="none" strike="noStrike" dirty="0">
+                          <a:effectLst/>
+                        </a:rPr>
+                        <a:t>actividades mortales</a:t>
+                      </a:r>
+                      <a:endParaRPr lang="es-ES" sz="1100" b="1" i="0" u="none" strike="noStrike" dirty="0">
+                        <a:solidFill>
+                          <a:srgbClr val="000000"/>
+                        </a:solidFill>
+                        <a:effectLst/>
+                        <a:latin typeface="Calibri" panose="020F0502020204030204" pitchFamily="34" charset="0"/>
+                      </a:endParaRPr>
+                    </a:p>
+                  </a:txBody>
+                  <a:tcPr marL="9525" marR="9525" marT="9525" marB="0" anchor="ctr"/>
+                </a:tc>
+                <a:tc>
+                  <a:txBody>
+                    <a:bodyPr/>
+                    <a:lstStyle/>
+                    <a:p>
+                      <a:pPr algn="l" fontAlgn="b"/>
+                      <a:r>
+                        <a:rPr lang="es-ES" sz="1100" b="1" u="none" strike="noStrike" dirty="0">
+                          <a:effectLst/>
+                        </a:rPr>
+                        <a:t>ataques en USA</a:t>
+                      </a:r>
+                      <a:endParaRPr lang="es-ES" sz="1100" b="1" i="0" u="none" strike="noStrike" dirty="0">
+                        <a:solidFill>
+                          <a:srgbClr val="000000"/>
+                        </a:solidFill>
+                        <a:effectLst/>
+                        <a:latin typeface="Calibri" panose="020F0502020204030204" pitchFamily="34" charset="0"/>
+                      </a:endParaRPr>
+                    </a:p>
+                  </a:txBody>
+                  <a:tcPr marL="9525" marR="9525" marT="9525" marB="0" anchor="ctr"/>
+                </a:tc>
+                <a:extLst>
+                  <a:ext uri="{0D108BD9-81ED-4DB2-BD59-A6C34878D82A}">
+                    <a16:rowId xmlns:a16="http://schemas.microsoft.com/office/drawing/2014/main" val="916070680"/>
+                  </a:ext>
+                </a:extLst>
+              </a:tr>
+              <a:tr h="218434">
+                <a:tc>
+                  <a:txBody>
+                    <a:bodyPr/>
+                    <a:lstStyle/>
+                    <a:p>
+                      <a:pPr algn="l" fontAlgn="b"/>
+                      <a:r>
+                        <a:rPr lang="es-ES" sz="1100" u="none" strike="noStrike" dirty="0" err="1">
+                          <a:effectLst/>
+                        </a:rPr>
+                        <a:t>Surfing</a:t>
+                      </a:r>
+                      <a:endParaRPr lang="es-ES" sz="1100" b="0" i="0" u="none" strike="noStrike" dirty="0">
+                        <a:solidFill>
+                          <a:srgbClr val="000000"/>
+                        </a:solidFill>
+                        <a:effectLst/>
+                        <a:latin typeface="Calibri" panose="020F0502020204030204" pitchFamily="34" charset="0"/>
+                      </a:endParaRPr>
+                    </a:p>
+                  </a:txBody>
+                  <a:tcPr marL="9525" marR="9525" marT="9525" marB="0" anchor="b"/>
+                </a:tc>
+                <a:tc>
+                  <a:txBody>
+                    <a:bodyPr/>
+                    <a:lstStyle/>
+                    <a:p>
+                      <a:pPr algn="r" fontAlgn="b"/>
+                      <a:r>
+                        <a:rPr lang="es-ES" sz="1100" u="none" strike="noStrike" dirty="0">
+                          <a:effectLst/>
+                        </a:rPr>
+                        <a:t>530</a:t>
+                      </a:r>
+                      <a:endParaRPr lang="es-ES" sz="1100" b="0" i="0" u="none" strike="noStrike" dirty="0">
+                        <a:solidFill>
+                          <a:srgbClr val="000000"/>
+                        </a:solidFill>
+                        <a:effectLst/>
+                        <a:latin typeface="Calibri" panose="020F0502020204030204" pitchFamily="34" charset="0"/>
+                      </a:endParaRPr>
+                    </a:p>
+                  </a:txBody>
+                  <a:tcPr marL="9525" marR="9525" marT="9525" marB="0" anchor="b"/>
+                </a:tc>
+                <a:extLst>
+                  <a:ext uri="{0D108BD9-81ED-4DB2-BD59-A6C34878D82A}">
+                    <a16:rowId xmlns:a16="http://schemas.microsoft.com/office/drawing/2014/main" val="2184187807"/>
+                  </a:ext>
+                </a:extLst>
+              </a:tr>
+              <a:tr h="218434">
+                <a:tc>
+                  <a:txBody>
+                    <a:bodyPr/>
+                    <a:lstStyle/>
+                    <a:p>
+                      <a:pPr algn="l" fontAlgn="b"/>
+                      <a:r>
+                        <a:rPr lang="es-ES" sz="1100" u="none" strike="noStrike">
+                          <a:effectLst/>
+                        </a:rPr>
+                        <a:t>Swimming</a:t>
+                      </a:r>
+                      <a:endParaRPr lang="es-ES" sz="1100" b="0" i="0" u="none" strike="noStrike">
+                        <a:solidFill>
+                          <a:srgbClr val="000000"/>
+                        </a:solidFill>
+                        <a:effectLst/>
+                        <a:latin typeface="Calibri" panose="020F0502020204030204" pitchFamily="34" charset="0"/>
+                      </a:endParaRPr>
+                    </a:p>
+                  </a:txBody>
+                  <a:tcPr marL="9525" marR="9525" marT="9525" marB="0" anchor="b"/>
+                </a:tc>
+                <a:tc>
+                  <a:txBody>
+                    <a:bodyPr/>
+                    <a:lstStyle/>
+                    <a:p>
+                      <a:pPr algn="r" fontAlgn="b"/>
+                      <a:r>
+                        <a:rPr lang="es-ES" sz="1100" u="none" strike="noStrike">
+                          <a:effectLst/>
+                        </a:rPr>
+                        <a:t>315</a:t>
+                      </a:r>
+                      <a:endParaRPr lang="es-ES" sz="1100" b="0" i="0" u="none" strike="noStrike">
+                        <a:solidFill>
+                          <a:srgbClr val="000000"/>
+                        </a:solidFill>
+                        <a:effectLst/>
+                        <a:latin typeface="Calibri" panose="020F0502020204030204" pitchFamily="34" charset="0"/>
+                      </a:endParaRPr>
+                    </a:p>
+                  </a:txBody>
+                  <a:tcPr marL="9525" marR="9525" marT="9525" marB="0" anchor="b"/>
+                </a:tc>
+                <a:extLst>
+                  <a:ext uri="{0D108BD9-81ED-4DB2-BD59-A6C34878D82A}">
+                    <a16:rowId xmlns:a16="http://schemas.microsoft.com/office/drawing/2014/main" val="3389626975"/>
+                  </a:ext>
+                </a:extLst>
+              </a:tr>
+              <a:tr h="218434">
+                <a:tc>
+                  <a:txBody>
+                    <a:bodyPr/>
+                    <a:lstStyle/>
+                    <a:p>
+                      <a:pPr algn="l" fontAlgn="b"/>
+                      <a:r>
+                        <a:rPr lang="es-ES" sz="1100" u="none" strike="noStrike">
+                          <a:effectLst/>
+                        </a:rPr>
+                        <a:t>Fishing</a:t>
+                      </a:r>
+                      <a:endParaRPr lang="es-ES" sz="1100" b="0" i="0" u="none" strike="noStrike">
+                        <a:solidFill>
+                          <a:srgbClr val="000000"/>
+                        </a:solidFill>
+                        <a:effectLst/>
+                        <a:latin typeface="Calibri" panose="020F0502020204030204" pitchFamily="34" charset="0"/>
+                      </a:endParaRPr>
+                    </a:p>
+                  </a:txBody>
+                  <a:tcPr marL="9525" marR="9525" marT="9525" marB="0" anchor="b"/>
+                </a:tc>
+                <a:tc>
+                  <a:txBody>
+                    <a:bodyPr/>
+                    <a:lstStyle/>
+                    <a:p>
+                      <a:pPr algn="r" fontAlgn="b"/>
+                      <a:r>
+                        <a:rPr lang="es-ES" sz="1100" u="none" strike="noStrike">
+                          <a:effectLst/>
+                        </a:rPr>
+                        <a:t>105</a:t>
+                      </a:r>
+                      <a:endParaRPr lang="es-ES" sz="1100" b="0" i="0" u="none" strike="noStrike">
+                        <a:solidFill>
+                          <a:srgbClr val="000000"/>
+                        </a:solidFill>
+                        <a:effectLst/>
+                        <a:latin typeface="Calibri" panose="020F0502020204030204" pitchFamily="34" charset="0"/>
+                      </a:endParaRPr>
+                    </a:p>
+                  </a:txBody>
+                  <a:tcPr marL="9525" marR="9525" marT="9525" marB="0" anchor="b"/>
+                </a:tc>
+                <a:extLst>
+                  <a:ext uri="{0D108BD9-81ED-4DB2-BD59-A6C34878D82A}">
+                    <a16:rowId xmlns:a16="http://schemas.microsoft.com/office/drawing/2014/main" val="3221678755"/>
+                  </a:ext>
+                </a:extLst>
+              </a:tr>
+              <a:tr h="218434">
+                <a:tc>
+                  <a:txBody>
+                    <a:bodyPr/>
+                    <a:lstStyle/>
+                    <a:p>
+                      <a:pPr algn="l" fontAlgn="b"/>
+                      <a:r>
+                        <a:rPr lang="es-ES" sz="1100" u="none" strike="noStrike">
+                          <a:effectLst/>
+                        </a:rPr>
+                        <a:t>unknown</a:t>
+                      </a:r>
+                      <a:endParaRPr lang="es-ES" sz="1100" b="0" i="0" u="none" strike="noStrike">
+                        <a:solidFill>
+                          <a:srgbClr val="000000"/>
+                        </a:solidFill>
+                        <a:effectLst/>
+                        <a:latin typeface="Calibri" panose="020F0502020204030204" pitchFamily="34" charset="0"/>
+                      </a:endParaRPr>
+                    </a:p>
+                  </a:txBody>
+                  <a:tcPr marL="9525" marR="9525" marT="9525" marB="0" anchor="b"/>
+                </a:tc>
+                <a:tc>
+                  <a:txBody>
+                    <a:bodyPr/>
+                    <a:lstStyle/>
+                    <a:p>
+                      <a:pPr algn="r" fontAlgn="b"/>
+                      <a:r>
+                        <a:rPr lang="es-ES" sz="1100" u="none" strike="noStrike">
+                          <a:effectLst/>
+                        </a:rPr>
+                        <a:t>61</a:t>
+                      </a:r>
+                      <a:endParaRPr lang="es-ES" sz="1100" b="0" i="0" u="none" strike="noStrike">
+                        <a:solidFill>
+                          <a:srgbClr val="000000"/>
+                        </a:solidFill>
+                        <a:effectLst/>
+                        <a:latin typeface="Calibri" panose="020F0502020204030204" pitchFamily="34" charset="0"/>
+                      </a:endParaRPr>
+                    </a:p>
+                  </a:txBody>
+                  <a:tcPr marL="9525" marR="9525" marT="9525" marB="0" anchor="b"/>
+                </a:tc>
+                <a:extLst>
+                  <a:ext uri="{0D108BD9-81ED-4DB2-BD59-A6C34878D82A}">
+                    <a16:rowId xmlns:a16="http://schemas.microsoft.com/office/drawing/2014/main" val="893178044"/>
+                  </a:ext>
+                </a:extLst>
+              </a:tr>
+              <a:tr h="218434">
+                <a:tc>
+                  <a:txBody>
+                    <a:bodyPr/>
+                    <a:lstStyle/>
+                    <a:p>
+                      <a:pPr algn="l" fontAlgn="b"/>
+                      <a:r>
+                        <a:rPr lang="es-ES" sz="1100" u="none" strike="noStrike">
+                          <a:effectLst/>
+                        </a:rPr>
+                        <a:t>Body Boarding</a:t>
+                      </a:r>
+                      <a:endParaRPr lang="es-ES" sz="1100" b="0" i="0" u="none" strike="noStrike">
+                        <a:solidFill>
+                          <a:srgbClr val="000000"/>
+                        </a:solidFill>
+                        <a:effectLst/>
+                        <a:latin typeface="Calibri" panose="020F0502020204030204" pitchFamily="34" charset="0"/>
+                      </a:endParaRPr>
+                    </a:p>
+                  </a:txBody>
+                  <a:tcPr marL="9525" marR="9525" marT="9525" marB="0" anchor="b"/>
+                </a:tc>
+                <a:tc>
+                  <a:txBody>
+                    <a:bodyPr/>
+                    <a:lstStyle/>
+                    <a:p>
+                      <a:pPr algn="r" fontAlgn="b"/>
+                      <a:r>
+                        <a:rPr lang="es-ES" sz="1100" u="none" strike="noStrike">
+                          <a:effectLst/>
+                        </a:rPr>
+                        <a:t>53</a:t>
+                      </a:r>
+                      <a:endParaRPr lang="es-ES" sz="1100" b="0" i="0" u="none" strike="noStrike">
+                        <a:solidFill>
+                          <a:srgbClr val="000000"/>
+                        </a:solidFill>
+                        <a:effectLst/>
+                        <a:latin typeface="Calibri" panose="020F0502020204030204" pitchFamily="34" charset="0"/>
+                      </a:endParaRPr>
+                    </a:p>
+                  </a:txBody>
+                  <a:tcPr marL="9525" marR="9525" marT="9525" marB="0" anchor="b"/>
+                </a:tc>
+                <a:extLst>
+                  <a:ext uri="{0D108BD9-81ED-4DB2-BD59-A6C34878D82A}">
+                    <a16:rowId xmlns:a16="http://schemas.microsoft.com/office/drawing/2014/main" val="974778968"/>
+                  </a:ext>
+                </a:extLst>
+              </a:tr>
+              <a:tr h="218434">
+                <a:tc>
+                  <a:txBody>
+                    <a:bodyPr/>
+                    <a:lstStyle/>
+                    <a:p>
+                      <a:pPr algn="l" fontAlgn="b"/>
+                      <a:r>
+                        <a:rPr lang="es-ES" sz="1100" u="none" strike="noStrike">
+                          <a:effectLst/>
+                        </a:rPr>
+                        <a:t>Diving</a:t>
+                      </a:r>
+                      <a:endParaRPr lang="es-ES" sz="1100" b="0" i="0" u="none" strike="noStrike">
+                        <a:solidFill>
+                          <a:srgbClr val="000000"/>
+                        </a:solidFill>
+                        <a:effectLst/>
+                        <a:latin typeface="Calibri" panose="020F0502020204030204" pitchFamily="34" charset="0"/>
+                      </a:endParaRPr>
+                    </a:p>
+                  </a:txBody>
+                  <a:tcPr marL="9525" marR="9525" marT="9525" marB="0" anchor="b"/>
+                </a:tc>
+                <a:tc>
+                  <a:txBody>
+                    <a:bodyPr/>
+                    <a:lstStyle/>
+                    <a:p>
+                      <a:pPr algn="r" fontAlgn="b"/>
+                      <a:r>
+                        <a:rPr lang="es-ES" sz="1100" u="none" strike="noStrike">
+                          <a:effectLst/>
+                        </a:rPr>
+                        <a:t>42</a:t>
+                      </a:r>
+                      <a:endParaRPr lang="es-ES" sz="1100" b="0" i="0" u="none" strike="noStrike">
+                        <a:solidFill>
+                          <a:srgbClr val="000000"/>
+                        </a:solidFill>
+                        <a:effectLst/>
+                        <a:latin typeface="Calibri" panose="020F0502020204030204" pitchFamily="34" charset="0"/>
+                      </a:endParaRPr>
+                    </a:p>
+                  </a:txBody>
+                  <a:tcPr marL="9525" marR="9525" marT="9525" marB="0" anchor="b"/>
+                </a:tc>
+                <a:extLst>
+                  <a:ext uri="{0D108BD9-81ED-4DB2-BD59-A6C34878D82A}">
+                    <a16:rowId xmlns:a16="http://schemas.microsoft.com/office/drawing/2014/main" val="3599272508"/>
+                  </a:ext>
+                </a:extLst>
+              </a:tr>
+              <a:tr h="218434">
+                <a:tc>
+                  <a:txBody>
+                    <a:bodyPr/>
+                    <a:lstStyle/>
+                    <a:p>
+                      <a:pPr algn="l" fontAlgn="b"/>
+                      <a:r>
+                        <a:rPr lang="es-ES" sz="1100" u="none" strike="noStrike">
+                          <a:effectLst/>
+                        </a:rPr>
+                        <a:t>Standing</a:t>
+                      </a:r>
+                      <a:endParaRPr lang="es-ES" sz="1100" b="0" i="0" u="none" strike="noStrike">
+                        <a:solidFill>
+                          <a:srgbClr val="000000"/>
+                        </a:solidFill>
+                        <a:effectLst/>
+                        <a:latin typeface="Calibri" panose="020F0502020204030204" pitchFamily="34" charset="0"/>
+                      </a:endParaRPr>
+                    </a:p>
+                  </a:txBody>
+                  <a:tcPr marL="9525" marR="9525" marT="9525" marB="0" anchor="b"/>
+                </a:tc>
+                <a:tc>
+                  <a:txBody>
+                    <a:bodyPr/>
+                    <a:lstStyle/>
+                    <a:p>
+                      <a:pPr algn="r" fontAlgn="b"/>
+                      <a:r>
+                        <a:rPr lang="es-ES" sz="1100" u="none" strike="noStrike">
+                          <a:effectLst/>
+                        </a:rPr>
+                        <a:t>42</a:t>
+                      </a:r>
+                      <a:endParaRPr lang="es-ES" sz="1100" b="0" i="0" u="none" strike="noStrike">
+                        <a:solidFill>
+                          <a:srgbClr val="000000"/>
+                        </a:solidFill>
+                        <a:effectLst/>
+                        <a:latin typeface="Calibri" panose="020F0502020204030204" pitchFamily="34" charset="0"/>
+                      </a:endParaRPr>
+                    </a:p>
+                  </a:txBody>
+                  <a:tcPr marL="9525" marR="9525" marT="9525" marB="0" anchor="b"/>
+                </a:tc>
+                <a:extLst>
+                  <a:ext uri="{0D108BD9-81ED-4DB2-BD59-A6C34878D82A}">
+                    <a16:rowId xmlns:a16="http://schemas.microsoft.com/office/drawing/2014/main" val="1860051717"/>
+                  </a:ext>
+                </a:extLst>
+              </a:tr>
+              <a:tr h="218434">
+                <a:tc>
+                  <a:txBody>
+                    <a:bodyPr/>
+                    <a:lstStyle/>
+                    <a:p>
+                      <a:pPr algn="l" fontAlgn="b"/>
+                      <a:r>
+                        <a:rPr lang="es-ES" sz="1100" u="none" strike="noStrike">
+                          <a:effectLst/>
+                        </a:rPr>
+                        <a:t>Boogie boarding</a:t>
+                      </a:r>
+                      <a:endParaRPr lang="es-ES" sz="1100" b="0" i="0" u="none" strike="noStrike">
+                        <a:solidFill>
+                          <a:srgbClr val="000000"/>
+                        </a:solidFill>
+                        <a:effectLst/>
+                        <a:latin typeface="Calibri" panose="020F0502020204030204" pitchFamily="34" charset="0"/>
+                      </a:endParaRPr>
+                    </a:p>
+                  </a:txBody>
+                  <a:tcPr marL="9525" marR="9525" marT="9525" marB="0" anchor="b"/>
+                </a:tc>
+                <a:tc>
+                  <a:txBody>
+                    <a:bodyPr/>
+                    <a:lstStyle/>
+                    <a:p>
+                      <a:pPr algn="r" fontAlgn="b"/>
+                      <a:r>
+                        <a:rPr lang="es-ES" sz="1100" u="none" strike="noStrike">
+                          <a:effectLst/>
+                        </a:rPr>
+                        <a:t>31</a:t>
+                      </a:r>
+                      <a:endParaRPr lang="es-ES" sz="1100" b="0" i="0" u="none" strike="noStrike">
+                        <a:solidFill>
+                          <a:srgbClr val="000000"/>
+                        </a:solidFill>
+                        <a:effectLst/>
+                        <a:latin typeface="Calibri" panose="020F0502020204030204" pitchFamily="34" charset="0"/>
+                      </a:endParaRPr>
+                    </a:p>
+                  </a:txBody>
+                  <a:tcPr marL="9525" marR="9525" marT="9525" marB="0" anchor="b"/>
+                </a:tc>
+                <a:extLst>
+                  <a:ext uri="{0D108BD9-81ED-4DB2-BD59-A6C34878D82A}">
+                    <a16:rowId xmlns:a16="http://schemas.microsoft.com/office/drawing/2014/main" val="2321130448"/>
+                  </a:ext>
+                </a:extLst>
+              </a:tr>
+              <a:tr h="218434">
+                <a:tc>
+                  <a:txBody>
+                    <a:bodyPr/>
+                    <a:lstStyle/>
+                    <a:p>
+                      <a:pPr algn="l" fontAlgn="b"/>
+                      <a:r>
+                        <a:rPr lang="es-ES" sz="1100" u="none" strike="noStrike">
+                          <a:effectLst/>
+                        </a:rPr>
+                        <a:t>Snorkeling</a:t>
+                      </a:r>
+                      <a:endParaRPr lang="es-ES" sz="1100" b="0" i="0" u="none" strike="noStrike">
+                        <a:solidFill>
+                          <a:srgbClr val="000000"/>
+                        </a:solidFill>
+                        <a:effectLst/>
+                        <a:latin typeface="Calibri" panose="020F0502020204030204" pitchFamily="34" charset="0"/>
+                      </a:endParaRPr>
+                    </a:p>
+                  </a:txBody>
+                  <a:tcPr marL="9525" marR="9525" marT="9525" marB="0" anchor="b"/>
+                </a:tc>
+                <a:tc>
+                  <a:txBody>
+                    <a:bodyPr/>
+                    <a:lstStyle/>
+                    <a:p>
+                      <a:pPr algn="r" fontAlgn="b"/>
+                      <a:r>
+                        <a:rPr lang="es-ES" sz="1100" u="none" strike="noStrike">
+                          <a:effectLst/>
+                        </a:rPr>
+                        <a:t>25</a:t>
+                      </a:r>
+                      <a:endParaRPr lang="es-ES" sz="1100" b="0" i="0" u="none" strike="noStrike">
+                        <a:solidFill>
+                          <a:srgbClr val="000000"/>
+                        </a:solidFill>
+                        <a:effectLst/>
+                        <a:latin typeface="Calibri" panose="020F0502020204030204" pitchFamily="34" charset="0"/>
+                      </a:endParaRPr>
+                    </a:p>
+                  </a:txBody>
+                  <a:tcPr marL="9525" marR="9525" marT="9525" marB="0" anchor="b"/>
+                </a:tc>
+                <a:extLst>
+                  <a:ext uri="{0D108BD9-81ED-4DB2-BD59-A6C34878D82A}">
+                    <a16:rowId xmlns:a16="http://schemas.microsoft.com/office/drawing/2014/main" val="1253208947"/>
+                  </a:ext>
+                </a:extLst>
+              </a:tr>
+              <a:tr h="218434">
+                <a:tc>
+                  <a:txBody>
+                    <a:bodyPr/>
+                    <a:lstStyle/>
+                    <a:p>
+                      <a:pPr algn="l" fontAlgn="b"/>
+                      <a:r>
+                        <a:rPr lang="es-ES" sz="1100" u="none" strike="noStrike">
+                          <a:effectLst/>
+                        </a:rPr>
+                        <a:t>Walking</a:t>
+                      </a:r>
+                      <a:endParaRPr lang="es-ES" sz="1100" b="0" i="0" u="none" strike="noStrike">
+                        <a:solidFill>
+                          <a:srgbClr val="000000"/>
+                        </a:solidFill>
+                        <a:effectLst/>
+                        <a:latin typeface="Calibri" panose="020F0502020204030204" pitchFamily="34" charset="0"/>
+                      </a:endParaRPr>
+                    </a:p>
+                  </a:txBody>
+                  <a:tcPr marL="9525" marR="9525" marT="9525" marB="0" anchor="b"/>
+                </a:tc>
+                <a:tc>
+                  <a:txBody>
+                    <a:bodyPr/>
+                    <a:lstStyle/>
+                    <a:p>
+                      <a:pPr algn="r" fontAlgn="b"/>
+                      <a:r>
+                        <a:rPr lang="es-ES" sz="1100" u="none" strike="noStrike">
+                          <a:effectLst/>
+                        </a:rPr>
+                        <a:t>23</a:t>
+                      </a:r>
+                      <a:endParaRPr lang="es-ES" sz="1100" b="0" i="0" u="none" strike="noStrike">
+                        <a:solidFill>
+                          <a:srgbClr val="000000"/>
+                        </a:solidFill>
+                        <a:effectLst/>
+                        <a:latin typeface="Calibri" panose="020F0502020204030204" pitchFamily="34" charset="0"/>
+                      </a:endParaRPr>
+                    </a:p>
+                  </a:txBody>
+                  <a:tcPr marL="9525" marR="9525" marT="9525" marB="0" anchor="b"/>
+                </a:tc>
+                <a:extLst>
+                  <a:ext uri="{0D108BD9-81ED-4DB2-BD59-A6C34878D82A}">
+                    <a16:rowId xmlns:a16="http://schemas.microsoft.com/office/drawing/2014/main" val="4261378928"/>
+                  </a:ext>
+                </a:extLst>
+              </a:tr>
+              <a:tr h="218434">
+                <a:tc>
+                  <a:txBody>
+                    <a:bodyPr/>
+                    <a:lstStyle/>
+                    <a:p>
+                      <a:pPr algn="l" fontAlgn="b"/>
+                      <a:r>
+                        <a:rPr lang="es-ES" sz="1100" u="none" strike="noStrike">
+                          <a:effectLst/>
+                        </a:rPr>
+                        <a:t>Kayaking</a:t>
+                      </a:r>
+                      <a:endParaRPr lang="es-ES" sz="1100" b="0" i="0" u="none" strike="noStrike">
+                        <a:solidFill>
+                          <a:srgbClr val="000000"/>
+                        </a:solidFill>
+                        <a:effectLst/>
+                        <a:latin typeface="Calibri" panose="020F0502020204030204" pitchFamily="34" charset="0"/>
+                      </a:endParaRPr>
+                    </a:p>
+                  </a:txBody>
+                  <a:tcPr marL="9525" marR="9525" marT="9525" marB="0" anchor="b"/>
+                </a:tc>
+                <a:tc>
+                  <a:txBody>
+                    <a:bodyPr/>
+                    <a:lstStyle/>
+                    <a:p>
+                      <a:pPr algn="r" fontAlgn="b"/>
+                      <a:r>
+                        <a:rPr lang="es-ES" sz="1100" u="none" strike="noStrike">
+                          <a:effectLst/>
+                        </a:rPr>
+                        <a:t>20</a:t>
+                      </a:r>
+                      <a:endParaRPr lang="es-ES" sz="1100" b="0" i="0" u="none" strike="noStrike">
+                        <a:solidFill>
+                          <a:srgbClr val="000000"/>
+                        </a:solidFill>
+                        <a:effectLst/>
+                        <a:latin typeface="Calibri" panose="020F0502020204030204" pitchFamily="34" charset="0"/>
+                      </a:endParaRPr>
+                    </a:p>
+                  </a:txBody>
+                  <a:tcPr marL="9525" marR="9525" marT="9525" marB="0" anchor="b"/>
+                </a:tc>
+                <a:extLst>
+                  <a:ext uri="{0D108BD9-81ED-4DB2-BD59-A6C34878D82A}">
+                    <a16:rowId xmlns:a16="http://schemas.microsoft.com/office/drawing/2014/main" val="1582234405"/>
+                  </a:ext>
+                </a:extLst>
+              </a:tr>
+              <a:tr h="218434">
+                <a:tc>
+                  <a:txBody>
+                    <a:bodyPr/>
+                    <a:lstStyle/>
+                    <a:p>
+                      <a:pPr algn="l" fontAlgn="b"/>
+                      <a:r>
+                        <a:rPr lang="es-ES" sz="1100" u="none" strike="noStrike">
+                          <a:effectLst/>
+                        </a:rPr>
+                        <a:t>Scuba diving</a:t>
+                      </a:r>
+                      <a:endParaRPr lang="es-ES" sz="1100" b="0" i="0" u="none" strike="noStrike">
+                        <a:solidFill>
+                          <a:srgbClr val="000000"/>
+                        </a:solidFill>
+                        <a:effectLst/>
+                        <a:latin typeface="Calibri" panose="020F0502020204030204" pitchFamily="34" charset="0"/>
+                      </a:endParaRPr>
+                    </a:p>
+                  </a:txBody>
+                  <a:tcPr marL="9525" marR="9525" marT="9525" marB="0" anchor="b"/>
+                </a:tc>
+                <a:tc>
+                  <a:txBody>
+                    <a:bodyPr/>
+                    <a:lstStyle/>
+                    <a:p>
+                      <a:pPr algn="r" fontAlgn="b"/>
+                      <a:r>
+                        <a:rPr lang="es-ES" sz="1100" u="none" strike="noStrike" dirty="0">
+                          <a:effectLst/>
+                        </a:rPr>
+                        <a:t>10</a:t>
+                      </a:r>
+                      <a:endParaRPr lang="es-ES" sz="1100" b="0" i="0" u="none" strike="noStrike" dirty="0">
+                        <a:solidFill>
+                          <a:srgbClr val="000000"/>
+                        </a:solidFill>
+                        <a:effectLst/>
+                        <a:latin typeface="Calibri" panose="020F0502020204030204" pitchFamily="34" charset="0"/>
+                      </a:endParaRPr>
+                    </a:p>
+                  </a:txBody>
+                  <a:tcPr marL="9525" marR="9525" marT="9525" marB="0" anchor="b"/>
+                </a:tc>
+                <a:extLst>
+                  <a:ext uri="{0D108BD9-81ED-4DB2-BD59-A6C34878D82A}">
+                    <a16:rowId xmlns:a16="http://schemas.microsoft.com/office/drawing/2014/main" val="1911597225"/>
+                  </a:ext>
+                </a:extLst>
+              </a:tr>
+            </a:tbl>
+          </a:graphicData>
+        </a:graphic>
+      </p:graphicFrame>
     </p:spTree>
     <p:extLst>
       <p:ext uri="{BB962C8B-B14F-4D97-AF65-F5344CB8AC3E}">
-        <p14:creationId xmlns:p14="http://schemas.microsoft.com/office/powerpoint/2010/main" val="1028890056"/>
+        <p14:creationId xmlns:p14="http://schemas.microsoft.com/office/powerpoint/2010/main" val="2133593228"/>
       </p:ext>
     </p:extLst>
   </p:cSld>
